--- a/examples/substitutions/microservice/sources/figures.pptx
+++ b/examples/substitutions/microservice/sources/figures.pptx
@@ -5,11 +5,10 @@
     <p:sldMasterId id="2147483648" r:id="rId1"/>
   </p:sldMasterIdLst>
   <p:notesMasterIdLst>
-    <p:notesMasterId r:id="rId4"/>
+    <p:notesMasterId r:id="rId3"/>
   </p:notesMasterIdLst>
   <p:sldIdLst>
-    <p:sldId id="277" r:id="rId2"/>
-    <p:sldId id="276" r:id="rId3"/>
+    <p:sldId id="276" r:id="rId2"/>
   </p:sldIdLst>
   <p:sldSz cx="12192000" cy="6858000"/>
   <p:notesSz cx="6858000" cy="9144000"/>
@@ -198,7 +197,7 @@
           <a:p>
             <a:fld id="{9BC9C640-FDAB-4920-985D-AE6877D6D812}" type="datetimeFigureOut">
               <a:rPr lang="en-US" smtClean="0"/>
-              <a:t>10/13/2025</a:t>
+              <a:t>11/6/2025</a:t>
             </a:fld>
             <a:endParaRPr lang="en-US"/>
           </a:p>
@@ -612,7 +611,7 @@
           <a:p>
             <a:fld id="{7588158F-7D22-4D02-A7C1-554F35EEE72C}" type="datetimeFigureOut">
               <a:rPr lang="en-US" smtClean="0"/>
-              <a:t>10/13/2025</a:t>
+              <a:t>11/6/2025</a:t>
             </a:fld>
             <a:endParaRPr lang="en-US"/>
           </a:p>
@@ -810,7 +809,7 @@
           <a:p>
             <a:fld id="{7588158F-7D22-4D02-A7C1-554F35EEE72C}" type="datetimeFigureOut">
               <a:rPr lang="en-US" smtClean="0"/>
-              <a:t>10/13/2025</a:t>
+              <a:t>11/6/2025</a:t>
             </a:fld>
             <a:endParaRPr lang="en-US"/>
           </a:p>
@@ -1018,7 +1017,7 @@
           <a:p>
             <a:fld id="{7588158F-7D22-4D02-A7C1-554F35EEE72C}" type="datetimeFigureOut">
               <a:rPr lang="en-US" smtClean="0"/>
-              <a:t>10/13/2025</a:t>
+              <a:t>11/6/2025</a:t>
             </a:fld>
             <a:endParaRPr lang="en-US"/>
           </a:p>
@@ -1216,7 +1215,7 @@
           <a:p>
             <a:fld id="{7588158F-7D22-4D02-A7C1-554F35EEE72C}" type="datetimeFigureOut">
               <a:rPr lang="en-US" smtClean="0"/>
-              <a:t>10/13/2025</a:t>
+              <a:t>11/6/2025</a:t>
             </a:fld>
             <a:endParaRPr lang="en-US"/>
           </a:p>
@@ -1491,7 +1490,7 @@
           <a:p>
             <a:fld id="{7588158F-7D22-4D02-A7C1-554F35EEE72C}" type="datetimeFigureOut">
               <a:rPr lang="en-US" smtClean="0"/>
-              <a:t>10/13/2025</a:t>
+              <a:t>11/6/2025</a:t>
             </a:fld>
             <a:endParaRPr lang="en-US"/>
           </a:p>
@@ -1756,7 +1755,7 @@
           <a:p>
             <a:fld id="{7588158F-7D22-4D02-A7C1-554F35EEE72C}" type="datetimeFigureOut">
               <a:rPr lang="en-US" smtClean="0"/>
-              <a:t>10/13/2025</a:t>
+              <a:t>11/6/2025</a:t>
             </a:fld>
             <a:endParaRPr lang="en-US"/>
           </a:p>
@@ -2168,7 +2167,7 @@
           <a:p>
             <a:fld id="{7588158F-7D22-4D02-A7C1-554F35EEE72C}" type="datetimeFigureOut">
               <a:rPr lang="en-US" smtClean="0"/>
-              <a:t>10/13/2025</a:t>
+              <a:t>11/6/2025</a:t>
             </a:fld>
             <a:endParaRPr lang="en-US"/>
           </a:p>
@@ -2309,7 +2308,7 @@
           <a:p>
             <a:fld id="{7588158F-7D22-4D02-A7C1-554F35EEE72C}" type="datetimeFigureOut">
               <a:rPr lang="en-US" smtClean="0"/>
-              <a:t>10/13/2025</a:t>
+              <a:t>11/6/2025</a:t>
             </a:fld>
             <a:endParaRPr lang="en-US"/>
           </a:p>
@@ -2422,7 +2421,7 @@
           <a:p>
             <a:fld id="{7588158F-7D22-4D02-A7C1-554F35EEE72C}" type="datetimeFigureOut">
               <a:rPr lang="en-US" smtClean="0"/>
-              <a:t>10/13/2025</a:t>
+              <a:t>11/6/2025</a:t>
             </a:fld>
             <a:endParaRPr lang="en-US"/>
           </a:p>
@@ -2733,7 +2732,7 @@
           <a:p>
             <a:fld id="{7588158F-7D22-4D02-A7C1-554F35EEE72C}" type="datetimeFigureOut">
               <a:rPr lang="en-US" smtClean="0"/>
-              <a:t>10/13/2025</a:t>
+              <a:t>11/6/2025</a:t>
             </a:fld>
             <a:endParaRPr lang="en-US"/>
           </a:p>
@@ -3021,7 +3020,7 @@
           <a:p>
             <a:fld id="{7588158F-7D22-4D02-A7C1-554F35EEE72C}" type="datetimeFigureOut">
               <a:rPr lang="en-US" smtClean="0"/>
-              <a:t>10/13/2025</a:t>
+              <a:t>11/6/2025</a:t>
             </a:fld>
             <a:endParaRPr lang="en-US"/>
           </a:p>
@@ -3262,7 +3261,7 @@
           <a:p>
             <a:fld id="{7588158F-7D22-4D02-A7C1-554F35EEE72C}" type="datetimeFigureOut">
               <a:rPr lang="en-US" smtClean="0"/>
-              <a:t>10/13/2025</a:t>
+              <a:t>11/6/2025</a:t>
             </a:fld>
             <a:endParaRPr lang="en-US"/>
           </a:p>
@@ -3663,3210 +3662,6 @@
 </file>
 
 <file path=ppt/slides/slide1.xml><?xml version="1.0" encoding="utf-8"?>
-<p:sld xmlns:a="http://schemas.openxmlformats.org/drawingml/2006/main" xmlns:r="http://schemas.openxmlformats.org/officeDocument/2006/relationships" xmlns:p="http://schemas.openxmlformats.org/presentationml/2006/main">
-  <p:cSld>
-    <p:spTree>
-      <p:nvGrpSpPr>
-        <p:cNvPr id="1" name=""/>
-        <p:cNvGrpSpPr/>
-        <p:nvPr/>
-      </p:nvGrpSpPr>
-      <p:grpSpPr>
-        <a:xfrm>
-          <a:off x="0" y="0"/>
-          <a:ext cx="0" cy="0"/>
-          <a:chOff x="0" y="0"/>
-          <a:chExt cx="0" cy="0"/>
-        </a:xfrm>
-      </p:grpSpPr>
-      <p:cxnSp>
-        <p:nvCxnSpPr>
-          <p:cNvPr id="38" name="Straight Arrow Connector 37">
-            <a:extLst>
-              <a:ext uri="{FF2B5EF4-FFF2-40B4-BE49-F238E27FC236}">
-                <a16:creationId xmlns:a16="http://schemas.microsoft.com/office/drawing/2014/main" id="{746E0424-53A4-F298-750D-DC43BE087A25}"/>
-              </a:ext>
-            </a:extLst>
-          </p:cNvPr>
-          <p:cNvCxnSpPr>
-            <a:cxnSpLocks/>
-          </p:cNvCxnSpPr>
-          <p:nvPr/>
-        </p:nvCxnSpPr>
-        <p:spPr>
-          <a:xfrm flipH="1">
-            <a:off x="9427912" y="1732492"/>
-            <a:ext cx="738757" cy="0"/>
-          </a:xfrm>
-          <a:prstGeom prst="straightConnector1">
-            <a:avLst/>
-          </a:prstGeom>
-          <a:ln w="19050">
-            <a:solidFill>
-              <a:schemeClr val="tx1"/>
-            </a:solidFill>
-            <a:prstDash val="sysDash"/>
-            <a:tailEnd type="triangle"/>
-          </a:ln>
-        </p:spPr>
-        <p:style>
-          <a:lnRef idx="1">
-            <a:schemeClr val="accent1"/>
-          </a:lnRef>
-          <a:fillRef idx="0">
-            <a:schemeClr val="accent1"/>
-          </a:fillRef>
-          <a:effectRef idx="0">
-            <a:schemeClr val="accent1"/>
-          </a:effectRef>
-          <a:fontRef idx="minor">
-            <a:schemeClr val="tx1"/>
-          </a:fontRef>
-        </p:style>
-      </p:cxnSp>
-      <p:sp>
-        <p:nvSpPr>
-          <p:cNvPr id="39" name="TextBox 38">
-            <a:extLst>
-              <a:ext uri="{FF2B5EF4-FFF2-40B4-BE49-F238E27FC236}">
-                <a16:creationId xmlns:a16="http://schemas.microsoft.com/office/drawing/2014/main" id="{2585A137-E905-1B3A-66A2-A7A8A4B92798}"/>
-              </a:ext>
-            </a:extLst>
-          </p:cNvPr>
-          <p:cNvSpPr txBox="1"/>
-          <p:nvPr/>
-        </p:nvSpPr>
-        <p:spPr>
-          <a:xfrm>
-            <a:off x="9523708" y="1562242"/>
-            <a:ext cx="533800" cy="138499"/>
-          </a:xfrm>
-          <a:prstGeom prst="rect">
-            <a:avLst/>
-          </a:prstGeom>
-          <a:solidFill>
-            <a:schemeClr val="bg1"/>
-          </a:solidFill>
-        </p:spPr>
-        <p:txBody>
-          <a:bodyPr wrap="square" lIns="0" tIns="0" rIns="0" bIns="0" rtlCol="0">
-            <a:spAutoFit/>
-          </a:bodyPr>
-          <a:lstStyle/>
-          <a:p>
-            <a:pPr algn="ctr"/>
-            <a:r>
-              <a:rPr lang="en-US" sz="900" b="1" dirty="0"/>
-              <a:t>imports</a:t>
-            </a:r>
-          </a:p>
-        </p:txBody>
-      </p:sp>
-      <p:sp>
-        <p:nvSpPr>
-          <p:cNvPr id="21" name="Rectangle: Rounded Corners 20">
-            <a:extLst>
-              <a:ext uri="{FF2B5EF4-FFF2-40B4-BE49-F238E27FC236}">
-                <a16:creationId xmlns:a16="http://schemas.microsoft.com/office/drawing/2014/main" id="{1533CEEB-DC43-3A00-D60F-AB1DD2311E87}"/>
-              </a:ext>
-            </a:extLst>
-          </p:cNvPr>
-          <p:cNvSpPr/>
-          <p:nvPr/>
-        </p:nvSpPr>
-        <p:spPr>
-          <a:xfrm>
-            <a:off x="2764088" y="659328"/>
-            <a:ext cx="6663824" cy="5539345"/>
-          </a:xfrm>
-          <a:prstGeom prst="roundRect">
-            <a:avLst/>
-          </a:prstGeom>
-          <a:noFill/>
-          <a:ln w="19050">
-            <a:prstDash val="sysDash"/>
-          </a:ln>
-        </p:spPr>
-        <p:style>
-          <a:lnRef idx="2">
-            <a:schemeClr val="accent1">
-              <a:shade val="15000"/>
-            </a:schemeClr>
-          </a:lnRef>
-          <a:fillRef idx="1">
-            <a:schemeClr val="accent1"/>
-          </a:fillRef>
-          <a:effectRef idx="0">
-            <a:schemeClr val="accent1"/>
-          </a:effectRef>
-          <a:fontRef idx="minor">
-            <a:schemeClr val="lt1"/>
-          </a:fontRef>
-        </p:style>
-        <p:txBody>
-          <a:bodyPr rtlCol="0" anchor="b" anchorCtr="0"/>
-          <a:lstStyle/>
-          <a:p>
-            <a:pPr algn="r"/>
-            <a:r>
-              <a:rPr lang="en-US" sz="1100" dirty="0">
-                <a:solidFill>
-                  <a:schemeClr val="tx1"/>
-                </a:solidFill>
-              </a:rPr>
-              <a:t>Online</a:t>
-            </a:r>
-          </a:p>
-          <a:p>
-            <a:pPr algn="r"/>
-            <a:r>
-              <a:rPr lang="en-US" sz="1100" dirty="0">
-                <a:solidFill>
-                  <a:schemeClr val="tx1"/>
-                </a:solidFill>
-              </a:rPr>
-              <a:t>Boutique</a:t>
-            </a:r>
-          </a:p>
-        </p:txBody>
-      </p:sp>
-      <p:cxnSp>
-        <p:nvCxnSpPr>
-          <p:cNvPr id="17" name="Straight Arrow Connector 16">
-            <a:extLst>
-              <a:ext uri="{FF2B5EF4-FFF2-40B4-BE49-F238E27FC236}">
-                <a16:creationId xmlns:a16="http://schemas.microsoft.com/office/drawing/2014/main" id="{AC8ADC44-4509-192E-1A3D-52AF4547379B}"/>
-              </a:ext>
-            </a:extLst>
-          </p:cNvPr>
-          <p:cNvCxnSpPr>
-            <a:cxnSpLocks/>
-            <a:stCxn id="133" idx="0"/>
-            <a:endCxn id="100" idx="2"/>
-          </p:cNvCxnSpPr>
-          <p:nvPr/>
-        </p:nvCxnSpPr>
-        <p:spPr>
-          <a:xfrm flipV="1">
-            <a:off x="3373419" y="1675218"/>
-            <a:ext cx="2091509" cy="525722"/>
-          </a:xfrm>
-          <a:prstGeom prst="straightConnector1">
-            <a:avLst/>
-          </a:prstGeom>
-          <a:ln w="12700">
-            <a:solidFill>
-              <a:schemeClr val="tx1"/>
-            </a:solidFill>
-            <a:headEnd type="triangle" w="med" len="med"/>
-            <a:tailEnd type="none" w="med" len="med"/>
-          </a:ln>
-        </p:spPr>
-        <p:style>
-          <a:lnRef idx="1">
-            <a:schemeClr val="accent1"/>
-          </a:lnRef>
-          <a:fillRef idx="0">
-            <a:schemeClr val="accent1"/>
-          </a:fillRef>
-          <a:effectRef idx="0">
-            <a:schemeClr val="accent1"/>
-          </a:effectRef>
-          <a:fontRef idx="minor">
-            <a:schemeClr val="tx1"/>
-          </a:fontRef>
-        </p:style>
-      </p:cxnSp>
-      <p:grpSp>
-        <p:nvGrpSpPr>
-          <p:cNvPr id="98" name="Group 97">
-            <a:extLst>
-              <a:ext uri="{FF2B5EF4-FFF2-40B4-BE49-F238E27FC236}">
-                <a16:creationId xmlns:a16="http://schemas.microsoft.com/office/drawing/2014/main" id="{7CFEFC03-4685-6E60-62BD-5410EC4D9711}"/>
-              </a:ext>
-            </a:extLst>
-          </p:cNvPr>
-          <p:cNvGrpSpPr/>
-          <p:nvPr/>
-        </p:nvGrpSpPr>
-        <p:grpSpPr>
-          <a:xfrm>
-            <a:off x="5079218" y="859740"/>
-            <a:ext cx="771421" cy="815478"/>
-            <a:chOff x="6267214" y="1751069"/>
-            <a:chExt cx="771421" cy="815478"/>
-          </a:xfrm>
-        </p:grpSpPr>
-        <p:sp>
-          <p:nvSpPr>
-            <p:cNvPr id="99" name="Rectangle 98">
-              <a:extLst>
-                <a:ext uri="{FF2B5EF4-FFF2-40B4-BE49-F238E27FC236}">
-                  <a16:creationId xmlns:a16="http://schemas.microsoft.com/office/drawing/2014/main" id="{2C77B0FF-1AE5-3C4D-9BD0-8CCB319F351D}"/>
-                </a:ext>
-              </a:extLst>
-            </p:cNvPr>
-            <p:cNvSpPr/>
-            <p:nvPr/>
-          </p:nvSpPr>
-          <p:spPr>
-            <a:xfrm>
-              <a:off x="6267214" y="1990875"/>
-              <a:ext cx="771421" cy="279919"/>
-            </a:xfrm>
-            <a:prstGeom prst="rect">
-              <a:avLst/>
-            </a:prstGeom>
-            <a:solidFill>
-              <a:schemeClr val="bg1">
-                <a:lumMod val="95000"/>
-              </a:schemeClr>
-            </a:solidFill>
-            <a:ln w="19050">
-              <a:solidFill>
-                <a:schemeClr val="bg2"/>
-              </a:solidFill>
-            </a:ln>
-          </p:spPr>
-          <p:style>
-            <a:lnRef idx="2">
-              <a:schemeClr val="accent1">
-                <a:shade val="50000"/>
-              </a:schemeClr>
-            </a:lnRef>
-            <a:fillRef idx="1">
-              <a:schemeClr val="accent1"/>
-            </a:fillRef>
-            <a:effectRef idx="0">
-              <a:schemeClr val="accent1"/>
-            </a:effectRef>
-            <a:fontRef idx="minor">
-              <a:schemeClr val="lt1"/>
-            </a:fontRef>
-          </p:style>
-          <p:txBody>
-            <a:bodyPr lIns="0" rIns="0" rtlCol="0" anchor="ctr"/>
-            <a:lstStyle/>
-            <a:p>
-              <a:pPr marL="0" marR="0" lvl="0" indent="0" algn="ctr" defTabSz="914400" rtl="0" eaLnBrk="1" fontAlgn="auto" latinLnBrk="0" hangingPunct="1">
-                <a:lnSpc>
-                  <a:spcPct val="100000"/>
-                </a:lnSpc>
-                <a:spcBef>
-                  <a:spcPts val="0"/>
-                </a:spcBef>
-                <a:spcAft>
-                  <a:spcPts val="0"/>
-                </a:spcAft>
-                <a:buClrTx/>
-                <a:buSzTx/>
-                <a:buFontTx/>
-                <a:buNone/>
-                <a:tabLst/>
-                <a:defRPr/>
-              </a:pPr>
-              <a:r>
-                <a:rPr kumimoji="0" lang="en-US" sz="900" b="0" i="0" u="none" strike="noStrike" kern="1200" cap="none" spc="0" normalizeH="0" baseline="0" noProof="0" dirty="0" err="1">
-                  <a:ln>
-                    <a:noFill/>
-                  </a:ln>
-                  <a:solidFill>
-                    <a:prstClr val="black"/>
-                  </a:solidFill>
-                  <a:effectLst/>
-                  <a:uLnTx/>
-                  <a:uFillTx/>
-                  <a:ea typeface="+mn-ea"/>
-                  <a:cs typeface="+mn-cs"/>
-                </a:rPr>
-                <a:t>MicroService</a:t>
-              </a:r>
-              <a:endParaRPr kumimoji="0" lang="en-US" sz="900" b="0" i="0" u="none" strike="noStrike" kern="1200" cap="none" spc="0" normalizeH="0" baseline="0" noProof="0" dirty="0">
-                <a:ln>
-                  <a:noFill/>
-                </a:ln>
-                <a:solidFill>
-                  <a:prstClr val="black"/>
-                </a:solidFill>
-                <a:effectLst/>
-                <a:uLnTx/>
-                <a:uFillTx/>
-                <a:ea typeface="+mn-ea"/>
-                <a:cs typeface="+mn-cs"/>
-              </a:endParaRPr>
-            </a:p>
-          </p:txBody>
-        </p:sp>
-        <p:sp>
-          <p:nvSpPr>
-            <p:cNvPr id="100" name="Rectangle: Rounded Corners 99">
-              <a:extLst>
-                <a:ext uri="{FF2B5EF4-FFF2-40B4-BE49-F238E27FC236}">
-                  <a16:creationId xmlns:a16="http://schemas.microsoft.com/office/drawing/2014/main" id="{4FA5B4AE-594D-7B16-2757-31C7737DE7E9}"/>
-                </a:ext>
-              </a:extLst>
-            </p:cNvPr>
-            <p:cNvSpPr/>
-            <p:nvPr/>
-          </p:nvSpPr>
-          <p:spPr>
-            <a:xfrm>
-              <a:off x="6267214" y="1751069"/>
-              <a:ext cx="771420" cy="815478"/>
-            </a:xfrm>
-            <a:prstGeom prst="roundRect">
-              <a:avLst/>
-            </a:prstGeom>
-            <a:noFill/>
-            <a:ln w="19050">
-              <a:solidFill>
-                <a:schemeClr val="tx1"/>
-              </a:solidFill>
-            </a:ln>
-          </p:spPr>
-          <p:style>
-            <a:lnRef idx="2">
-              <a:schemeClr val="accent1">
-                <a:shade val="50000"/>
-              </a:schemeClr>
-            </a:lnRef>
-            <a:fillRef idx="1">
-              <a:schemeClr val="accent1"/>
-            </a:fillRef>
-            <a:effectRef idx="0">
-              <a:schemeClr val="accent1"/>
-            </a:effectRef>
-            <a:fontRef idx="minor">
-              <a:schemeClr val="lt1"/>
-            </a:fontRef>
-          </p:style>
-          <p:txBody>
-            <a:bodyPr tIns="0" rtlCol="0" anchor="t" anchorCtr="0"/>
-            <a:lstStyle/>
-            <a:p>
-              <a:pPr marL="0" marR="0" lvl="0" indent="0" algn="l" defTabSz="914400" rtl="0" eaLnBrk="1" fontAlgn="auto" latinLnBrk="0" hangingPunct="1">
-                <a:lnSpc>
-                  <a:spcPct val="100000"/>
-                </a:lnSpc>
-                <a:spcBef>
-                  <a:spcPts val="0"/>
-                </a:spcBef>
-                <a:spcAft>
-                  <a:spcPts val="0"/>
-                </a:spcAft>
-                <a:buClrTx/>
-                <a:buSzTx/>
-                <a:buFontTx/>
-                <a:buNone/>
-                <a:tabLst/>
-                <a:defRPr/>
-              </a:pPr>
-              <a:r>
-                <a:rPr kumimoji="0" lang="en-US" sz="800" b="0" i="0" u="none" strike="noStrike" kern="1200" cap="none" spc="0" normalizeH="0" baseline="0" noProof="0" dirty="0">
-                  <a:ln>
-                    <a:noFill/>
-                  </a:ln>
-                  <a:solidFill>
-                    <a:prstClr val="black"/>
-                  </a:solidFill>
-                  <a:effectLst/>
-                  <a:uLnTx/>
-                  <a:uFillTx/>
-                  <a:ea typeface="+mn-ea"/>
-                  <a:cs typeface="+mn-cs"/>
-                </a:rPr>
-                <a:t>frontend</a:t>
-              </a:r>
-            </a:p>
-          </p:txBody>
-        </p:sp>
-      </p:grpSp>
-      <p:grpSp>
-        <p:nvGrpSpPr>
-          <p:cNvPr id="101" name="Group 100">
-            <a:extLst>
-              <a:ext uri="{FF2B5EF4-FFF2-40B4-BE49-F238E27FC236}">
-                <a16:creationId xmlns:a16="http://schemas.microsoft.com/office/drawing/2014/main" id="{2B6D593E-2093-B115-609E-39BD24AF67A2}"/>
-              </a:ext>
-            </a:extLst>
-          </p:cNvPr>
-          <p:cNvGrpSpPr/>
-          <p:nvPr/>
-        </p:nvGrpSpPr>
-        <p:grpSpPr>
-          <a:xfrm>
-            <a:off x="3899938" y="3730260"/>
-            <a:ext cx="771421" cy="815478"/>
-            <a:chOff x="6267214" y="1751069"/>
-            <a:chExt cx="771421" cy="815478"/>
-          </a:xfrm>
-        </p:grpSpPr>
-        <p:sp>
-          <p:nvSpPr>
-            <p:cNvPr id="102" name="Rectangle 101">
-              <a:extLst>
-                <a:ext uri="{FF2B5EF4-FFF2-40B4-BE49-F238E27FC236}">
-                  <a16:creationId xmlns:a16="http://schemas.microsoft.com/office/drawing/2014/main" id="{64A1A309-762D-6F76-90D1-AF7BEF8BFD73}"/>
-                </a:ext>
-              </a:extLst>
-            </p:cNvPr>
-            <p:cNvSpPr/>
-            <p:nvPr/>
-          </p:nvSpPr>
-          <p:spPr>
-            <a:xfrm>
-              <a:off x="6267214" y="1990875"/>
-              <a:ext cx="771421" cy="279919"/>
-            </a:xfrm>
-            <a:prstGeom prst="rect">
-              <a:avLst/>
-            </a:prstGeom>
-            <a:solidFill>
-              <a:schemeClr val="bg1">
-                <a:lumMod val="95000"/>
-              </a:schemeClr>
-            </a:solidFill>
-            <a:ln w="19050">
-              <a:solidFill>
-                <a:schemeClr val="bg2"/>
-              </a:solidFill>
-            </a:ln>
-          </p:spPr>
-          <p:style>
-            <a:lnRef idx="2">
-              <a:schemeClr val="accent1">
-                <a:shade val="50000"/>
-              </a:schemeClr>
-            </a:lnRef>
-            <a:fillRef idx="1">
-              <a:schemeClr val="accent1"/>
-            </a:fillRef>
-            <a:effectRef idx="0">
-              <a:schemeClr val="accent1"/>
-            </a:effectRef>
-            <a:fontRef idx="minor">
-              <a:schemeClr val="lt1"/>
-            </a:fontRef>
-          </p:style>
-          <p:txBody>
-            <a:bodyPr lIns="0" rIns="0" rtlCol="0" anchor="ctr"/>
-            <a:lstStyle/>
-            <a:p>
-              <a:pPr marL="0" marR="0" lvl="0" indent="0" algn="ctr" defTabSz="914400" rtl="0" eaLnBrk="1" fontAlgn="auto" latinLnBrk="0" hangingPunct="1">
-                <a:lnSpc>
-                  <a:spcPct val="100000"/>
-                </a:lnSpc>
-                <a:spcBef>
-                  <a:spcPts val="0"/>
-                </a:spcBef>
-                <a:spcAft>
-                  <a:spcPts val="0"/>
-                </a:spcAft>
-                <a:buClrTx/>
-                <a:buSzTx/>
-                <a:buFontTx/>
-                <a:buNone/>
-                <a:tabLst/>
-                <a:defRPr/>
-              </a:pPr>
-              <a:r>
-                <a:rPr kumimoji="0" lang="en-US" sz="900" b="0" i="0" u="none" strike="noStrike" kern="1200" cap="none" spc="0" normalizeH="0" baseline="0" noProof="0" dirty="0" err="1">
-                  <a:ln>
-                    <a:noFill/>
-                  </a:ln>
-                  <a:solidFill>
-                    <a:prstClr val="black"/>
-                  </a:solidFill>
-                  <a:effectLst/>
-                  <a:uLnTx/>
-                  <a:uFillTx/>
-                  <a:ea typeface="+mn-ea"/>
-                  <a:cs typeface="+mn-cs"/>
-                </a:rPr>
-                <a:t>MicroService</a:t>
-              </a:r>
-              <a:endParaRPr kumimoji="0" lang="en-US" sz="900" b="0" i="0" u="none" strike="noStrike" kern="1200" cap="none" spc="0" normalizeH="0" baseline="0" noProof="0" dirty="0">
-                <a:ln>
-                  <a:noFill/>
-                </a:ln>
-                <a:solidFill>
-                  <a:prstClr val="black"/>
-                </a:solidFill>
-                <a:effectLst/>
-                <a:uLnTx/>
-                <a:uFillTx/>
-                <a:ea typeface="+mn-ea"/>
-                <a:cs typeface="+mn-cs"/>
-              </a:endParaRPr>
-            </a:p>
-          </p:txBody>
-        </p:sp>
-        <p:sp>
-          <p:nvSpPr>
-            <p:cNvPr id="103" name="Rectangle: Rounded Corners 102">
-              <a:extLst>
-                <a:ext uri="{FF2B5EF4-FFF2-40B4-BE49-F238E27FC236}">
-                  <a16:creationId xmlns:a16="http://schemas.microsoft.com/office/drawing/2014/main" id="{BFF82461-69F4-06B0-2ECA-939CC7689970}"/>
-                </a:ext>
-              </a:extLst>
-            </p:cNvPr>
-            <p:cNvSpPr/>
-            <p:nvPr/>
-          </p:nvSpPr>
-          <p:spPr>
-            <a:xfrm>
-              <a:off x="6267214" y="1751069"/>
-              <a:ext cx="771420" cy="815478"/>
-            </a:xfrm>
-            <a:prstGeom prst="roundRect">
-              <a:avLst/>
-            </a:prstGeom>
-            <a:noFill/>
-            <a:ln w="19050">
-              <a:solidFill>
-                <a:schemeClr val="tx1"/>
-              </a:solidFill>
-            </a:ln>
-          </p:spPr>
-          <p:style>
-            <a:lnRef idx="2">
-              <a:schemeClr val="accent1">
-                <a:shade val="50000"/>
-              </a:schemeClr>
-            </a:lnRef>
-            <a:fillRef idx="1">
-              <a:schemeClr val="accent1"/>
-            </a:fillRef>
-            <a:effectRef idx="0">
-              <a:schemeClr val="accent1"/>
-            </a:effectRef>
-            <a:fontRef idx="minor">
-              <a:schemeClr val="lt1"/>
-            </a:fontRef>
-          </p:style>
-          <p:txBody>
-            <a:bodyPr tIns="0" rtlCol="0" anchor="t" anchorCtr="0"/>
-            <a:lstStyle/>
-            <a:p>
-              <a:pPr marL="0" marR="0" lvl="0" indent="0" algn="l" defTabSz="914400" rtl="0" eaLnBrk="1" fontAlgn="auto" latinLnBrk="0" hangingPunct="1">
-                <a:lnSpc>
-                  <a:spcPct val="100000"/>
-                </a:lnSpc>
-                <a:spcBef>
-                  <a:spcPts val="0"/>
-                </a:spcBef>
-                <a:spcAft>
-                  <a:spcPts val="0"/>
-                </a:spcAft>
-                <a:buClrTx/>
-                <a:buSzTx/>
-                <a:buFontTx/>
-                <a:buNone/>
-                <a:tabLst/>
-                <a:defRPr/>
-              </a:pPr>
-              <a:r>
-                <a:rPr kumimoji="0" lang="en-US" sz="800" b="0" i="0" u="none" strike="noStrike" kern="1200" cap="none" spc="0" normalizeH="0" baseline="0" noProof="0" dirty="0">
-                  <a:ln>
-                    <a:noFill/>
-                  </a:ln>
-                  <a:solidFill>
-                    <a:prstClr val="black"/>
-                  </a:solidFill>
-                  <a:effectLst/>
-                  <a:uLnTx/>
-                  <a:uFillTx/>
-                  <a:ea typeface="+mn-ea"/>
-                  <a:cs typeface="+mn-cs"/>
-                </a:rPr>
-                <a:t>catalog</a:t>
-              </a:r>
-            </a:p>
-          </p:txBody>
-        </p:sp>
-      </p:grpSp>
-      <p:grpSp>
-        <p:nvGrpSpPr>
-          <p:cNvPr id="104" name="Group 103">
-            <a:extLst>
-              <a:ext uri="{FF2B5EF4-FFF2-40B4-BE49-F238E27FC236}">
-                <a16:creationId xmlns:a16="http://schemas.microsoft.com/office/drawing/2014/main" id="{819D7513-1062-C2FC-96F2-EE8E7A7FFB7D}"/>
-              </a:ext>
-            </a:extLst>
-          </p:cNvPr>
-          <p:cNvGrpSpPr/>
-          <p:nvPr/>
-        </p:nvGrpSpPr>
-        <p:grpSpPr>
-          <a:xfrm>
-            <a:off x="6191709" y="3730260"/>
-            <a:ext cx="771421" cy="815478"/>
-            <a:chOff x="6267214" y="1751069"/>
-            <a:chExt cx="771421" cy="815478"/>
-          </a:xfrm>
-        </p:grpSpPr>
-        <p:sp>
-          <p:nvSpPr>
-            <p:cNvPr id="105" name="Rectangle 104">
-              <a:extLst>
-                <a:ext uri="{FF2B5EF4-FFF2-40B4-BE49-F238E27FC236}">
-                  <a16:creationId xmlns:a16="http://schemas.microsoft.com/office/drawing/2014/main" id="{BDB71E84-1882-4092-CE7C-054BB689288A}"/>
-                </a:ext>
-              </a:extLst>
-            </p:cNvPr>
-            <p:cNvSpPr/>
-            <p:nvPr/>
-          </p:nvSpPr>
-          <p:spPr>
-            <a:xfrm>
-              <a:off x="6267214" y="1990875"/>
-              <a:ext cx="771421" cy="279919"/>
-            </a:xfrm>
-            <a:prstGeom prst="rect">
-              <a:avLst/>
-            </a:prstGeom>
-            <a:solidFill>
-              <a:schemeClr val="bg1">
-                <a:lumMod val="95000"/>
-              </a:schemeClr>
-            </a:solidFill>
-            <a:ln w="19050">
-              <a:solidFill>
-                <a:schemeClr val="bg2"/>
-              </a:solidFill>
-            </a:ln>
-          </p:spPr>
-          <p:style>
-            <a:lnRef idx="2">
-              <a:schemeClr val="accent1">
-                <a:shade val="50000"/>
-              </a:schemeClr>
-            </a:lnRef>
-            <a:fillRef idx="1">
-              <a:schemeClr val="accent1"/>
-            </a:fillRef>
-            <a:effectRef idx="0">
-              <a:schemeClr val="accent1"/>
-            </a:effectRef>
-            <a:fontRef idx="minor">
-              <a:schemeClr val="lt1"/>
-            </a:fontRef>
-          </p:style>
-          <p:txBody>
-            <a:bodyPr lIns="0" rIns="0" rtlCol="0" anchor="ctr"/>
-            <a:lstStyle/>
-            <a:p>
-              <a:pPr marL="0" marR="0" lvl="0" indent="0" algn="ctr" defTabSz="914400" rtl="0" eaLnBrk="1" fontAlgn="auto" latinLnBrk="0" hangingPunct="1">
-                <a:lnSpc>
-                  <a:spcPct val="100000"/>
-                </a:lnSpc>
-                <a:spcBef>
-                  <a:spcPts val="0"/>
-                </a:spcBef>
-                <a:spcAft>
-                  <a:spcPts val="0"/>
-                </a:spcAft>
-                <a:buClrTx/>
-                <a:buSzTx/>
-                <a:buFontTx/>
-                <a:buNone/>
-                <a:tabLst/>
-                <a:defRPr/>
-              </a:pPr>
-              <a:r>
-                <a:rPr kumimoji="0" lang="en-US" sz="900" b="0" i="0" u="none" strike="noStrike" kern="1200" cap="none" spc="0" normalizeH="0" baseline="0" noProof="0" dirty="0" err="1">
-                  <a:ln>
-                    <a:noFill/>
-                  </a:ln>
-                  <a:solidFill>
-                    <a:prstClr val="black"/>
-                  </a:solidFill>
-                  <a:effectLst/>
-                  <a:uLnTx/>
-                  <a:uFillTx/>
-                  <a:ea typeface="+mn-ea"/>
-                  <a:cs typeface="+mn-cs"/>
-                </a:rPr>
-                <a:t>MicroService</a:t>
-              </a:r>
-              <a:endParaRPr kumimoji="0" lang="en-US" sz="900" b="0" i="0" u="none" strike="noStrike" kern="1200" cap="none" spc="0" normalizeH="0" baseline="0" noProof="0" dirty="0">
-                <a:ln>
-                  <a:noFill/>
-                </a:ln>
-                <a:solidFill>
-                  <a:prstClr val="black"/>
-                </a:solidFill>
-                <a:effectLst/>
-                <a:uLnTx/>
-                <a:uFillTx/>
-                <a:ea typeface="+mn-ea"/>
-                <a:cs typeface="+mn-cs"/>
-              </a:endParaRPr>
-            </a:p>
-          </p:txBody>
-        </p:sp>
-        <p:sp>
-          <p:nvSpPr>
-            <p:cNvPr id="106" name="Rectangle: Rounded Corners 105">
-              <a:extLst>
-                <a:ext uri="{FF2B5EF4-FFF2-40B4-BE49-F238E27FC236}">
-                  <a16:creationId xmlns:a16="http://schemas.microsoft.com/office/drawing/2014/main" id="{B8781B9B-2D28-060A-485D-EEE85E66CB7A}"/>
-                </a:ext>
-              </a:extLst>
-            </p:cNvPr>
-            <p:cNvSpPr/>
-            <p:nvPr/>
-          </p:nvSpPr>
-          <p:spPr>
-            <a:xfrm>
-              <a:off x="6267214" y="1751069"/>
-              <a:ext cx="771420" cy="815478"/>
-            </a:xfrm>
-            <a:prstGeom prst="roundRect">
-              <a:avLst/>
-            </a:prstGeom>
-            <a:noFill/>
-            <a:ln w="19050">
-              <a:solidFill>
-                <a:schemeClr val="tx1"/>
-              </a:solidFill>
-            </a:ln>
-          </p:spPr>
-          <p:style>
-            <a:lnRef idx="2">
-              <a:schemeClr val="accent1">
-                <a:shade val="50000"/>
-              </a:schemeClr>
-            </a:lnRef>
-            <a:fillRef idx="1">
-              <a:schemeClr val="accent1"/>
-            </a:fillRef>
-            <a:effectRef idx="0">
-              <a:schemeClr val="accent1"/>
-            </a:effectRef>
-            <a:fontRef idx="minor">
-              <a:schemeClr val="lt1"/>
-            </a:fontRef>
-          </p:style>
-          <p:txBody>
-            <a:bodyPr tIns="0" rtlCol="0" anchor="t" anchorCtr="0"/>
-            <a:lstStyle/>
-            <a:p>
-              <a:pPr marL="0" marR="0" lvl="0" indent="0" algn="l" defTabSz="914400" rtl="0" eaLnBrk="1" fontAlgn="auto" latinLnBrk="0" hangingPunct="1">
-                <a:lnSpc>
-                  <a:spcPct val="100000"/>
-                </a:lnSpc>
-                <a:spcBef>
-                  <a:spcPts val="0"/>
-                </a:spcBef>
-                <a:spcAft>
-                  <a:spcPts val="0"/>
-                </a:spcAft>
-                <a:buClrTx/>
-                <a:buSzTx/>
-                <a:buFontTx/>
-                <a:buNone/>
-                <a:tabLst/>
-                <a:defRPr/>
-              </a:pPr>
-              <a:r>
-                <a:rPr kumimoji="0" lang="en-US" sz="800" b="0" i="0" u="none" strike="noStrike" kern="1200" cap="none" spc="0" normalizeH="0" baseline="0" noProof="0" dirty="0">
-                  <a:ln>
-                    <a:noFill/>
-                  </a:ln>
-                  <a:solidFill>
-                    <a:prstClr val="black"/>
-                  </a:solidFill>
-                  <a:effectLst/>
-                  <a:uLnTx/>
-                  <a:uFillTx/>
-                  <a:ea typeface="+mn-ea"/>
-                  <a:cs typeface="+mn-cs"/>
-                </a:rPr>
-                <a:t>shipping</a:t>
-              </a:r>
-            </a:p>
-          </p:txBody>
-        </p:sp>
-      </p:grpSp>
-      <p:grpSp>
-        <p:nvGrpSpPr>
-          <p:cNvPr id="107" name="Group 106">
-            <a:extLst>
-              <a:ext uri="{FF2B5EF4-FFF2-40B4-BE49-F238E27FC236}">
-                <a16:creationId xmlns:a16="http://schemas.microsoft.com/office/drawing/2014/main" id="{442A6641-AEDD-E3B9-095E-65010DA830AF}"/>
-              </a:ext>
-            </a:extLst>
-          </p:cNvPr>
-          <p:cNvGrpSpPr/>
-          <p:nvPr/>
-        </p:nvGrpSpPr>
-        <p:grpSpPr>
-          <a:xfrm>
-            <a:off x="5079217" y="4071003"/>
-            <a:ext cx="771421" cy="815478"/>
-            <a:chOff x="6267214" y="1751069"/>
-            <a:chExt cx="771421" cy="815478"/>
-          </a:xfrm>
-        </p:grpSpPr>
-        <p:sp>
-          <p:nvSpPr>
-            <p:cNvPr id="108" name="Rectangle 107">
-              <a:extLst>
-                <a:ext uri="{FF2B5EF4-FFF2-40B4-BE49-F238E27FC236}">
-                  <a16:creationId xmlns:a16="http://schemas.microsoft.com/office/drawing/2014/main" id="{C0E46231-7B43-329F-AEC4-30449695477F}"/>
-                </a:ext>
-              </a:extLst>
-            </p:cNvPr>
-            <p:cNvSpPr/>
-            <p:nvPr/>
-          </p:nvSpPr>
-          <p:spPr>
-            <a:xfrm>
-              <a:off x="6267214" y="1990875"/>
-              <a:ext cx="771421" cy="279919"/>
-            </a:xfrm>
-            <a:prstGeom prst="rect">
-              <a:avLst/>
-            </a:prstGeom>
-            <a:solidFill>
-              <a:schemeClr val="bg1">
-                <a:lumMod val="95000"/>
-              </a:schemeClr>
-            </a:solidFill>
-            <a:ln w="19050">
-              <a:solidFill>
-                <a:schemeClr val="bg2"/>
-              </a:solidFill>
-            </a:ln>
-          </p:spPr>
-          <p:style>
-            <a:lnRef idx="2">
-              <a:schemeClr val="accent1">
-                <a:shade val="50000"/>
-              </a:schemeClr>
-            </a:lnRef>
-            <a:fillRef idx="1">
-              <a:schemeClr val="accent1"/>
-            </a:fillRef>
-            <a:effectRef idx="0">
-              <a:schemeClr val="accent1"/>
-            </a:effectRef>
-            <a:fontRef idx="minor">
-              <a:schemeClr val="lt1"/>
-            </a:fontRef>
-          </p:style>
-          <p:txBody>
-            <a:bodyPr lIns="0" rIns="0" rtlCol="0" anchor="ctr"/>
-            <a:lstStyle/>
-            <a:p>
-              <a:pPr marL="0" marR="0" lvl="0" indent="0" algn="ctr" defTabSz="914400" rtl="0" eaLnBrk="1" fontAlgn="auto" latinLnBrk="0" hangingPunct="1">
-                <a:lnSpc>
-                  <a:spcPct val="100000"/>
-                </a:lnSpc>
-                <a:spcBef>
-                  <a:spcPts val="0"/>
-                </a:spcBef>
-                <a:spcAft>
-                  <a:spcPts val="0"/>
-                </a:spcAft>
-                <a:buClrTx/>
-                <a:buSzTx/>
-                <a:buFontTx/>
-                <a:buNone/>
-                <a:tabLst/>
-                <a:defRPr/>
-              </a:pPr>
-              <a:r>
-                <a:rPr kumimoji="0" lang="en-US" sz="900" b="0" i="0" u="none" strike="noStrike" kern="1200" cap="none" spc="0" normalizeH="0" baseline="0" noProof="0" dirty="0" err="1">
-                  <a:ln>
-                    <a:noFill/>
-                  </a:ln>
-                  <a:solidFill>
-                    <a:prstClr val="black"/>
-                  </a:solidFill>
-                  <a:effectLst/>
-                  <a:uLnTx/>
-                  <a:uFillTx/>
-                  <a:ea typeface="+mn-ea"/>
-                  <a:cs typeface="+mn-cs"/>
-                </a:rPr>
-                <a:t>MicroService</a:t>
-              </a:r>
-              <a:endParaRPr kumimoji="0" lang="en-US" sz="900" b="0" i="0" u="none" strike="noStrike" kern="1200" cap="none" spc="0" normalizeH="0" baseline="0" noProof="0" dirty="0">
-                <a:ln>
-                  <a:noFill/>
-                </a:ln>
-                <a:solidFill>
-                  <a:prstClr val="black"/>
-                </a:solidFill>
-                <a:effectLst/>
-                <a:uLnTx/>
-                <a:uFillTx/>
-                <a:ea typeface="+mn-ea"/>
-                <a:cs typeface="+mn-cs"/>
-              </a:endParaRPr>
-            </a:p>
-          </p:txBody>
-        </p:sp>
-        <p:sp>
-          <p:nvSpPr>
-            <p:cNvPr id="109" name="Rectangle: Rounded Corners 108">
-              <a:extLst>
-                <a:ext uri="{FF2B5EF4-FFF2-40B4-BE49-F238E27FC236}">
-                  <a16:creationId xmlns:a16="http://schemas.microsoft.com/office/drawing/2014/main" id="{299B631E-EB2D-A7D5-E0DB-104B9495F331}"/>
-                </a:ext>
-              </a:extLst>
-            </p:cNvPr>
-            <p:cNvSpPr/>
-            <p:nvPr/>
-          </p:nvSpPr>
-          <p:spPr>
-            <a:xfrm>
-              <a:off x="6267214" y="1751069"/>
-              <a:ext cx="771420" cy="815478"/>
-            </a:xfrm>
-            <a:prstGeom prst="roundRect">
-              <a:avLst/>
-            </a:prstGeom>
-            <a:noFill/>
-            <a:ln w="19050">
-              <a:solidFill>
-                <a:schemeClr val="tx1"/>
-              </a:solidFill>
-            </a:ln>
-          </p:spPr>
-          <p:style>
-            <a:lnRef idx="2">
-              <a:schemeClr val="accent1">
-                <a:shade val="50000"/>
-              </a:schemeClr>
-            </a:lnRef>
-            <a:fillRef idx="1">
-              <a:schemeClr val="accent1"/>
-            </a:fillRef>
-            <a:effectRef idx="0">
-              <a:schemeClr val="accent1"/>
-            </a:effectRef>
-            <a:fontRef idx="minor">
-              <a:schemeClr val="lt1"/>
-            </a:fontRef>
-          </p:style>
-          <p:txBody>
-            <a:bodyPr tIns="0" rtlCol="0" anchor="t" anchorCtr="0"/>
-            <a:lstStyle/>
-            <a:p>
-              <a:pPr marL="0" marR="0" lvl="0" indent="0" algn="l" defTabSz="914400" rtl="0" eaLnBrk="1" fontAlgn="auto" latinLnBrk="0" hangingPunct="1">
-                <a:lnSpc>
-                  <a:spcPct val="100000"/>
-                </a:lnSpc>
-                <a:spcBef>
-                  <a:spcPts val="0"/>
-                </a:spcBef>
-                <a:spcAft>
-                  <a:spcPts val="0"/>
-                </a:spcAft>
-                <a:buClrTx/>
-                <a:buSzTx/>
-                <a:buFontTx/>
-                <a:buNone/>
-                <a:tabLst/>
-                <a:defRPr/>
-              </a:pPr>
-              <a:r>
-                <a:rPr kumimoji="0" lang="en-US" sz="800" b="0" i="0" u="none" strike="noStrike" kern="1200" cap="none" spc="0" normalizeH="0" baseline="0" noProof="0" dirty="0">
-                  <a:ln>
-                    <a:noFill/>
-                  </a:ln>
-                  <a:solidFill>
-                    <a:prstClr val="black"/>
-                  </a:solidFill>
-                  <a:effectLst/>
-                  <a:uLnTx/>
-                  <a:uFillTx/>
-                  <a:ea typeface="+mn-ea"/>
-                  <a:cs typeface="+mn-cs"/>
-                </a:rPr>
-                <a:t>cart</a:t>
-              </a:r>
-            </a:p>
-          </p:txBody>
-        </p:sp>
-      </p:grpSp>
-      <p:grpSp>
-        <p:nvGrpSpPr>
-          <p:cNvPr id="110" name="Group 109">
-            <a:extLst>
-              <a:ext uri="{FF2B5EF4-FFF2-40B4-BE49-F238E27FC236}">
-                <a16:creationId xmlns:a16="http://schemas.microsoft.com/office/drawing/2014/main" id="{0AC39A94-6161-6344-D44D-E7713A48ECFD}"/>
-              </a:ext>
-            </a:extLst>
-          </p:cNvPr>
-          <p:cNvGrpSpPr/>
-          <p:nvPr/>
-        </p:nvGrpSpPr>
-        <p:grpSpPr>
-          <a:xfrm>
-            <a:off x="7520640" y="2200940"/>
-            <a:ext cx="771421" cy="815478"/>
-            <a:chOff x="6267214" y="1751069"/>
-            <a:chExt cx="771421" cy="815478"/>
-          </a:xfrm>
-        </p:grpSpPr>
-        <p:sp>
-          <p:nvSpPr>
-            <p:cNvPr id="111" name="Rectangle 110">
-              <a:extLst>
-                <a:ext uri="{FF2B5EF4-FFF2-40B4-BE49-F238E27FC236}">
-                  <a16:creationId xmlns:a16="http://schemas.microsoft.com/office/drawing/2014/main" id="{EB66C9AA-1795-295E-389C-3957AB4F6705}"/>
-                </a:ext>
-              </a:extLst>
-            </p:cNvPr>
-            <p:cNvSpPr/>
-            <p:nvPr/>
-          </p:nvSpPr>
-          <p:spPr>
-            <a:xfrm>
-              <a:off x="6267214" y="1990875"/>
-              <a:ext cx="771421" cy="279919"/>
-            </a:xfrm>
-            <a:prstGeom prst="rect">
-              <a:avLst/>
-            </a:prstGeom>
-            <a:solidFill>
-              <a:schemeClr val="bg1">
-                <a:lumMod val="95000"/>
-              </a:schemeClr>
-            </a:solidFill>
-            <a:ln w="19050">
-              <a:solidFill>
-                <a:schemeClr val="bg2"/>
-              </a:solidFill>
-            </a:ln>
-          </p:spPr>
-          <p:style>
-            <a:lnRef idx="2">
-              <a:schemeClr val="accent1">
-                <a:shade val="50000"/>
-              </a:schemeClr>
-            </a:lnRef>
-            <a:fillRef idx="1">
-              <a:schemeClr val="accent1"/>
-            </a:fillRef>
-            <a:effectRef idx="0">
-              <a:schemeClr val="accent1"/>
-            </a:effectRef>
-            <a:fontRef idx="minor">
-              <a:schemeClr val="lt1"/>
-            </a:fontRef>
-          </p:style>
-          <p:txBody>
-            <a:bodyPr lIns="0" rIns="0" rtlCol="0" anchor="ctr"/>
-            <a:lstStyle/>
-            <a:p>
-              <a:pPr marL="0" marR="0" lvl="0" indent="0" algn="ctr" defTabSz="914400" rtl="0" eaLnBrk="1" fontAlgn="auto" latinLnBrk="0" hangingPunct="1">
-                <a:lnSpc>
-                  <a:spcPct val="100000"/>
-                </a:lnSpc>
-                <a:spcBef>
-                  <a:spcPts val="0"/>
-                </a:spcBef>
-                <a:spcAft>
-                  <a:spcPts val="0"/>
-                </a:spcAft>
-                <a:buClrTx/>
-                <a:buSzTx/>
-                <a:buFontTx/>
-                <a:buNone/>
-                <a:tabLst/>
-                <a:defRPr/>
-              </a:pPr>
-              <a:r>
-                <a:rPr kumimoji="0" lang="en-US" sz="900" b="0" i="0" u="none" strike="noStrike" kern="1200" cap="none" spc="0" normalizeH="0" baseline="0" noProof="0" dirty="0" err="1">
-                  <a:ln>
-                    <a:noFill/>
-                  </a:ln>
-                  <a:solidFill>
-                    <a:prstClr val="black"/>
-                  </a:solidFill>
-                  <a:effectLst/>
-                  <a:uLnTx/>
-                  <a:uFillTx/>
-                  <a:ea typeface="+mn-ea"/>
-                  <a:cs typeface="+mn-cs"/>
-                </a:rPr>
-                <a:t>MicroService</a:t>
-              </a:r>
-              <a:endParaRPr kumimoji="0" lang="en-US" sz="900" b="0" i="0" u="none" strike="noStrike" kern="1200" cap="none" spc="0" normalizeH="0" baseline="0" noProof="0" dirty="0">
-                <a:ln>
-                  <a:noFill/>
-                </a:ln>
-                <a:solidFill>
-                  <a:prstClr val="black"/>
-                </a:solidFill>
-                <a:effectLst/>
-                <a:uLnTx/>
-                <a:uFillTx/>
-                <a:ea typeface="+mn-ea"/>
-                <a:cs typeface="+mn-cs"/>
-              </a:endParaRPr>
-            </a:p>
-          </p:txBody>
-        </p:sp>
-        <p:sp>
-          <p:nvSpPr>
-            <p:cNvPr id="112" name="Rectangle: Rounded Corners 111">
-              <a:extLst>
-                <a:ext uri="{FF2B5EF4-FFF2-40B4-BE49-F238E27FC236}">
-                  <a16:creationId xmlns:a16="http://schemas.microsoft.com/office/drawing/2014/main" id="{15C00E7D-FD1D-8A88-54AE-A9F993159E59}"/>
-                </a:ext>
-              </a:extLst>
-            </p:cNvPr>
-            <p:cNvSpPr/>
-            <p:nvPr/>
-          </p:nvSpPr>
-          <p:spPr>
-            <a:xfrm>
-              <a:off x="6267214" y="1751069"/>
-              <a:ext cx="771420" cy="815478"/>
-            </a:xfrm>
-            <a:prstGeom prst="roundRect">
-              <a:avLst/>
-            </a:prstGeom>
-            <a:noFill/>
-            <a:ln w="19050">
-              <a:solidFill>
-                <a:schemeClr val="tx1"/>
-              </a:solidFill>
-            </a:ln>
-          </p:spPr>
-          <p:style>
-            <a:lnRef idx="2">
-              <a:schemeClr val="accent1">
-                <a:shade val="50000"/>
-              </a:schemeClr>
-            </a:lnRef>
-            <a:fillRef idx="1">
-              <a:schemeClr val="accent1"/>
-            </a:fillRef>
-            <a:effectRef idx="0">
-              <a:schemeClr val="accent1"/>
-            </a:effectRef>
-            <a:fontRef idx="minor">
-              <a:schemeClr val="lt1"/>
-            </a:fontRef>
-          </p:style>
-          <p:txBody>
-            <a:bodyPr tIns="0" rtlCol="0" anchor="t" anchorCtr="0"/>
-            <a:lstStyle/>
-            <a:p>
-              <a:pPr marL="0" marR="0" lvl="0" indent="0" algn="l" defTabSz="914400" rtl="0" eaLnBrk="1" fontAlgn="auto" latinLnBrk="0" hangingPunct="1">
-                <a:lnSpc>
-                  <a:spcPct val="100000"/>
-                </a:lnSpc>
-                <a:spcBef>
-                  <a:spcPts val="0"/>
-                </a:spcBef>
-                <a:spcAft>
-                  <a:spcPts val="0"/>
-                </a:spcAft>
-                <a:buClrTx/>
-                <a:buSzTx/>
-                <a:buFontTx/>
-                <a:buNone/>
-                <a:tabLst/>
-                <a:defRPr/>
-              </a:pPr>
-              <a:r>
-                <a:rPr kumimoji="0" lang="en-US" sz="800" b="0" i="0" u="none" strike="noStrike" kern="1200" cap="none" spc="0" normalizeH="0" baseline="0" noProof="0" dirty="0">
-                  <a:ln>
-                    <a:noFill/>
-                  </a:ln>
-                  <a:solidFill>
-                    <a:prstClr val="black"/>
-                  </a:solidFill>
-                  <a:effectLst/>
-                  <a:uLnTx/>
-                  <a:uFillTx/>
-                  <a:ea typeface="+mn-ea"/>
-                  <a:cs typeface="+mn-cs"/>
-                </a:rPr>
-                <a:t>payment</a:t>
-              </a:r>
-            </a:p>
-          </p:txBody>
-        </p:sp>
-      </p:grpSp>
-      <p:grpSp>
-        <p:nvGrpSpPr>
-          <p:cNvPr id="116" name="Group 115">
-            <a:extLst>
-              <a:ext uri="{FF2B5EF4-FFF2-40B4-BE49-F238E27FC236}">
-                <a16:creationId xmlns:a16="http://schemas.microsoft.com/office/drawing/2014/main" id="{500264BC-E06F-A863-5705-74D52543543D}"/>
-              </a:ext>
-            </a:extLst>
-          </p:cNvPr>
-          <p:cNvGrpSpPr/>
-          <p:nvPr/>
-        </p:nvGrpSpPr>
-        <p:grpSpPr>
-          <a:xfrm>
-            <a:off x="8432870" y="2200940"/>
-            <a:ext cx="771421" cy="815478"/>
-            <a:chOff x="6267214" y="1751069"/>
-            <a:chExt cx="771421" cy="815478"/>
-          </a:xfrm>
-        </p:grpSpPr>
-        <p:sp>
-          <p:nvSpPr>
-            <p:cNvPr id="117" name="Rectangle 116">
-              <a:extLst>
-                <a:ext uri="{FF2B5EF4-FFF2-40B4-BE49-F238E27FC236}">
-                  <a16:creationId xmlns:a16="http://schemas.microsoft.com/office/drawing/2014/main" id="{03010CC5-7A1A-B762-63D4-7BB35453D258}"/>
-                </a:ext>
-              </a:extLst>
-            </p:cNvPr>
-            <p:cNvSpPr/>
-            <p:nvPr/>
-          </p:nvSpPr>
-          <p:spPr>
-            <a:xfrm>
-              <a:off x="6267214" y="1990875"/>
-              <a:ext cx="771421" cy="279919"/>
-            </a:xfrm>
-            <a:prstGeom prst="rect">
-              <a:avLst/>
-            </a:prstGeom>
-            <a:solidFill>
-              <a:schemeClr val="bg1">
-                <a:lumMod val="95000"/>
-              </a:schemeClr>
-            </a:solidFill>
-            <a:ln w="19050">
-              <a:solidFill>
-                <a:schemeClr val="bg2"/>
-              </a:solidFill>
-            </a:ln>
-          </p:spPr>
-          <p:style>
-            <a:lnRef idx="2">
-              <a:schemeClr val="accent1">
-                <a:shade val="50000"/>
-              </a:schemeClr>
-            </a:lnRef>
-            <a:fillRef idx="1">
-              <a:schemeClr val="accent1"/>
-            </a:fillRef>
-            <a:effectRef idx="0">
-              <a:schemeClr val="accent1"/>
-            </a:effectRef>
-            <a:fontRef idx="minor">
-              <a:schemeClr val="lt1"/>
-            </a:fontRef>
-          </p:style>
-          <p:txBody>
-            <a:bodyPr lIns="0" rIns="0" rtlCol="0" anchor="ctr"/>
-            <a:lstStyle/>
-            <a:p>
-              <a:pPr marL="0" marR="0" lvl="0" indent="0" algn="ctr" defTabSz="914400" rtl="0" eaLnBrk="1" fontAlgn="auto" latinLnBrk="0" hangingPunct="1">
-                <a:lnSpc>
-                  <a:spcPct val="100000"/>
-                </a:lnSpc>
-                <a:spcBef>
-                  <a:spcPts val="0"/>
-                </a:spcBef>
-                <a:spcAft>
-                  <a:spcPts val="0"/>
-                </a:spcAft>
-                <a:buClrTx/>
-                <a:buSzTx/>
-                <a:buFontTx/>
-                <a:buNone/>
-                <a:tabLst/>
-                <a:defRPr/>
-              </a:pPr>
-              <a:r>
-                <a:rPr kumimoji="0" lang="en-US" sz="900" b="0" i="0" u="none" strike="noStrike" kern="1200" cap="none" spc="0" normalizeH="0" baseline="0" noProof="0" dirty="0" err="1">
-                  <a:ln>
-                    <a:noFill/>
-                  </a:ln>
-                  <a:solidFill>
-                    <a:prstClr val="black"/>
-                  </a:solidFill>
-                  <a:effectLst/>
-                  <a:uLnTx/>
-                  <a:uFillTx/>
-                  <a:ea typeface="+mn-ea"/>
-                  <a:cs typeface="+mn-cs"/>
-                </a:rPr>
-                <a:t>MicroService</a:t>
-              </a:r>
-              <a:endParaRPr kumimoji="0" lang="en-US" sz="900" b="0" i="0" u="none" strike="noStrike" kern="1200" cap="none" spc="0" normalizeH="0" baseline="0" noProof="0" dirty="0">
-                <a:ln>
-                  <a:noFill/>
-                </a:ln>
-                <a:solidFill>
-                  <a:prstClr val="black"/>
-                </a:solidFill>
-                <a:effectLst/>
-                <a:uLnTx/>
-                <a:uFillTx/>
-                <a:ea typeface="+mn-ea"/>
-                <a:cs typeface="+mn-cs"/>
-              </a:endParaRPr>
-            </a:p>
-          </p:txBody>
-        </p:sp>
-        <p:sp>
-          <p:nvSpPr>
-            <p:cNvPr id="118" name="Rectangle: Rounded Corners 117">
-              <a:extLst>
-                <a:ext uri="{FF2B5EF4-FFF2-40B4-BE49-F238E27FC236}">
-                  <a16:creationId xmlns:a16="http://schemas.microsoft.com/office/drawing/2014/main" id="{3DF72A9A-BB9B-B288-9E0B-23F5B1939FA5}"/>
-                </a:ext>
-              </a:extLst>
-            </p:cNvPr>
-            <p:cNvSpPr/>
-            <p:nvPr/>
-          </p:nvSpPr>
-          <p:spPr>
-            <a:xfrm>
-              <a:off x="6267214" y="1751069"/>
-              <a:ext cx="771420" cy="815478"/>
-            </a:xfrm>
-            <a:prstGeom prst="roundRect">
-              <a:avLst/>
-            </a:prstGeom>
-            <a:noFill/>
-            <a:ln w="19050">
-              <a:solidFill>
-                <a:schemeClr val="tx1"/>
-              </a:solidFill>
-            </a:ln>
-          </p:spPr>
-          <p:style>
-            <a:lnRef idx="2">
-              <a:schemeClr val="accent1">
-                <a:shade val="50000"/>
-              </a:schemeClr>
-            </a:lnRef>
-            <a:fillRef idx="1">
-              <a:schemeClr val="accent1"/>
-            </a:fillRef>
-            <a:effectRef idx="0">
-              <a:schemeClr val="accent1"/>
-            </a:effectRef>
-            <a:fontRef idx="minor">
-              <a:schemeClr val="lt1"/>
-            </a:fontRef>
-          </p:style>
-          <p:txBody>
-            <a:bodyPr tIns="0" rtlCol="0" anchor="t" anchorCtr="0"/>
-            <a:lstStyle/>
-            <a:p>
-              <a:pPr marL="0" marR="0" lvl="0" indent="0" algn="l" defTabSz="914400" rtl="0" eaLnBrk="1" fontAlgn="auto" latinLnBrk="0" hangingPunct="1">
-                <a:lnSpc>
-                  <a:spcPct val="100000"/>
-                </a:lnSpc>
-                <a:spcBef>
-                  <a:spcPts val="0"/>
-                </a:spcBef>
-                <a:spcAft>
-                  <a:spcPts val="0"/>
-                </a:spcAft>
-                <a:buClrTx/>
-                <a:buSzTx/>
-                <a:buFontTx/>
-                <a:buNone/>
-                <a:tabLst/>
-                <a:defRPr/>
-              </a:pPr>
-              <a:r>
-                <a:rPr lang="en-US" sz="800" dirty="0">
-                  <a:solidFill>
-                    <a:prstClr val="black"/>
-                  </a:solidFill>
-                </a:rPr>
-                <a:t>email</a:t>
-              </a:r>
-              <a:endParaRPr kumimoji="0" lang="en-US" sz="800" b="0" i="0" u="none" strike="noStrike" kern="1200" cap="none" spc="0" normalizeH="0" baseline="0" noProof="0" dirty="0">
-                <a:ln>
-                  <a:noFill/>
-                </a:ln>
-                <a:solidFill>
-                  <a:prstClr val="black"/>
-                </a:solidFill>
-                <a:effectLst/>
-                <a:uLnTx/>
-                <a:uFillTx/>
-                <a:ea typeface="+mn-ea"/>
-                <a:cs typeface="+mn-cs"/>
-              </a:endParaRPr>
-            </a:p>
-          </p:txBody>
-        </p:sp>
-      </p:grpSp>
-      <p:grpSp>
-        <p:nvGrpSpPr>
-          <p:cNvPr id="119" name="Group 118">
-            <a:extLst>
-              <a:ext uri="{FF2B5EF4-FFF2-40B4-BE49-F238E27FC236}">
-                <a16:creationId xmlns:a16="http://schemas.microsoft.com/office/drawing/2014/main" id="{47C84BE2-E896-2F94-F897-BA7880605110}"/>
-              </a:ext>
-            </a:extLst>
-          </p:cNvPr>
-          <p:cNvGrpSpPr/>
-          <p:nvPr/>
-        </p:nvGrpSpPr>
-        <p:grpSpPr>
-          <a:xfrm>
-            <a:off x="3899938" y="2200940"/>
-            <a:ext cx="771421" cy="815478"/>
-            <a:chOff x="6267214" y="1751069"/>
-            <a:chExt cx="771421" cy="815478"/>
-          </a:xfrm>
-        </p:grpSpPr>
-        <p:sp>
-          <p:nvSpPr>
-            <p:cNvPr id="120" name="Rectangle 119">
-              <a:extLst>
-                <a:ext uri="{FF2B5EF4-FFF2-40B4-BE49-F238E27FC236}">
-                  <a16:creationId xmlns:a16="http://schemas.microsoft.com/office/drawing/2014/main" id="{1A88C4B8-F70B-622D-DD92-412693515103}"/>
-                </a:ext>
-              </a:extLst>
-            </p:cNvPr>
-            <p:cNvSpPr/>
-            <p:nvPr/>
-          </p:nvSpPr>
-          <p:spPr>
-            <a:xfrm>
-              <a:off x="6267214" y="1990875"/>
-              <a:ext cx="771421" cy="279919"/>
-            </a:xfrm>
-            <a:prstGeom prst="rect">
-              <a:avLst/>
-            </a:prstGeom>
-            <a:solidFill>
-              <a:schemeClr val="bg1">
-                <a:lumMod val="95000"/>
-              </a:schemeClr>
-            </a:solidFill>
-            <a:ln w="19050">
-              <a:solidFill>
-                <a:schemeClr val="bg2"/>
-              </a:solidFill>
-            </a:ln>
-          </p:spPr>
-          <p:style>
-            <a:lnRef idx="2">
-              <a:schemeClr val="accent1">
-                <a:shade val="50000"/>
-              </a:schemeClr>
-            </a:lnRef>
-            <a:fillRef idx="1">
-              <a:schemeClr val="accent1"/>
-            </a:fillRef>
-            <a:effectRef idx="0">
-              <a:schemeClr val="accent1"/>
-            </a:effectRef>
-            <a:fontRef idx="minor">
-              <a:schemeClr val="lt1"/>
-            </a:fontRef>
-          </p:style>
-          <p:txBody>
-            <a:bodyPr lIns="0" rIns="0" rtlCol="0" anchor="ctr"/>
-            <a:lstStyle/>
-            <a:p>
-              <a:pPr marL="0" marR="0" lvl="0" indent="0" algn="ctr" defTabSz="914400" rtl="0" eaLnBrk="1" fontAlgn="auto" latinLnBrk="0" hangingPunct="1">
-                <a:lnSpc>
-                  <a:spcPct val="100000"/>
-                </a:lnSpc>
-                <a:spcBef>
-                  <a:spcPts val="0"/>
-                </a:spcBef>
-                <a:spcAft>
-                  <a:spcPts val="0"/>
-                </a:spcAft>
-                <a:buClrTx/>
-                <a:buSzTx/>
-                <a:buFontTx/>
-                <a:buNone/>
-                <a:tabLst/>
-                <a:defRPr/>
-              </a:pPr>
-              <a:r>
-                <a:rPr kumimoji="0" lang="en-US" sz="900" b="0" i="0" u="none" strike="noStrike" kern="1200" cap="none" spc="0" normalizeH="0" baseline="0" noProof="0" dirty="0" err="1">
-                  <a:ln>
-                    <a:noFill/>
-                  </a:ln>
-                  <a:solidFill>
-                    <a:prstClr val="black"/>
-                  </a:solidFill>
-                  <a:effectLst/>
-                  <a:uLnTx/>
-                  <a:uFillTx/>
-                  <a:ea typeface="+mn-ea"/>
-                  <a:cs typeface="+mn-cs"/>
-                </a:rPr>
-                <a:t>MicroService</a:t>
-              </a:r>
-              <a:endParaRPr kumimoji="0" lang="en-US" sz="900" b="0" i="0" u="none" strike="noStrike" kern="1200" cap="none" spc="0" normalizeH="0" baseline="0" noProof="0" dirty="0">
-                <a:ln>
-                  <a:noFill/>
-                </a:ln>
-                <a:solidFill>
-                  <a:prstClr val="black"/>
-                </a:solidFill>
-                <a:effectLst/>
-                <a:uLnTx/>
-                <a:uFillTx/>
-                <a:ea typeface="+mn-ea"/>
-                <a:cs typeface="+mn-cs"/>
-              </a:endParaRPr>
-            </a:p>
-          </p:txBody>
-        </p:sp>
-        <p:sp>
-          <p:nvSpPr>
-            <p:cNvPr id="121" name="Rectangle: Rounded Corners 120">
-              <a:extLst>
-                <a:ext uri="{FF2B5EF4-FFF2-40B4-BE49-F238E27FC236}">
-                  <a16:creationId xmlns:a16="http://schemas.microsoft.com/office/drawing/2014/main" id="{25215674-CEE6-4DA7-B785-B6EA19372F04}"/>
-                </a:ext>
-              </a:extLst>
-            </p:cNvPr>
-            <p:cNvSpPr/>
-            <p:nvPr/>
-          </p:nvSpPr>
-          <p:spPr>
-            <a:xfrm>
-              <a:off x="6267214" y="1751069"/>
-              <a:ext cx="771420" cy="815478"/>
-            </a:xfrm>
-            <a:prstGeom prst="roundRect">
-              <a:avLst/>
-            </a:prstGeom>
-            <a:noFill/>
-            <a:ln w="19050">
-              <a:solidFill>
-                <a:schemeClr val="tx1"/>
-              </a:solidFill>
-            </a:ln>
-          </p:spPr>
-          <p:style>
-            <a:lnRef idx="2">
-              <a:schemeClr val="accent1">
-                <a:shade val="50000"/>
-              </a:schemeClr>
-            </a:lnRef>
-            <a:fillRef idx="1">
-              <a:schemeClr val="accent1"/>
-            </a:fillRef>
-            <a:effectRef idx="0">
-              <a:schemeClr val="accent1"/>
-            </a:effectRef>
-            <a:fontRef idx="minor">
-              <a:schemeClr val="lt1"/>
-            </a:fontRef>
-          </p:style>
-          <p:txBody>
-            <a:bodyPr lIns="45720" tIns="0" rtlCol="0" anchor="t" anchorCtr="0"/>
-            <a:lstStyle/>
-            <a:p>
-              <a:pPr marL="0" marR="0" lvl="0" indent="0" algn="l" defTabSz="914400" rtl="0" eaLnBrk="1" fontAlgn="auto" latinLnBrk="0" hangingPunct="1">
-                <a:lnSpc>
-                  <a:spcPct val="100000"/>
-                </a:lnSpc>
-                <a:spcBef>
-                  <a:spcPts val="0"/>
-                </a:spcBef>
-                <a:spcAft>
-                  <a:spcPts val="0"/>
-                </a:spcAft>
-                <a:buClrTx/>
-                <a:buSzTx/>
-                <a:buFontTx/>
-                <a:buNone/>
-                <a:tabLst/>
-                <a:defRPr/>
-              </a:pPr>
-              <a:r>
-                <a:rPr kumimoji="0" lang="en-US" sz="800" b="0" i="0" u="none" strike="noStrike" kern="1200" cap="none" spc="0" normalizeH="0" baseline="0" noProof="0" dirty="0">
-                  <a:ln>
-                    <a:noFill/>
-                  </a:ln>
-                  <a:solidFill>
-                    <a:prstClr val="black"/>
-                  </a:solidFill>
-                  <a:effectLst/>
-                  <a:uLnTx/>
-                  <a:uFillTx/>
-                  <a:ea typeface="+mn-ea"/>
-                  <a:cs typeface="+mn-cs"/>
-                </a:rPr>
-                <a:t>recommend</a:t>
-              </a:r>
-            </a:p>
-          </p:txBody>
-        </p:sp>
-      </p:grpSp>
-      <p:grpSp>
-        <p:nvGrpSpPr>
-          <p:cNvPr id="122" name="Group 121">
-            <a:extLst>
-              <a:ext uri="{FF2B5EF4-FFF2-40B4-BE49-F238E27FC236}">
-                <a16:creationId xmlns:a16="http://schemas.microsoft.com/office/drawing/2014/main" id="{A09D526F-FB43-12D3-E135-7917A89210CC}"/>
-              </a:ext>
-            </a:extLst>
-          </p:cNvPr>
-          <p:cNvGrpSpPr/>
-          <p:nvPr/>
-        </p:nvGrpSpPr>
-        <p:grpSpPr>
-          <a:xfrm>
-            <a:off x="7123138" y="3730260"/>
-            <a:ext cx="771421" cy="815478"/>
-            <a:chOff x="6267214" y="1751069"/>
-            <a:chExt cx="771421" cy="815478"/>
-          </a:xfrm>
-        </p:grpSpPr>
-        <p:sp>
-          <p:nvSpPr>
-            <p:cNvPr id="123" name="Rectangle 122">
-              <a:extLst>
-                <a:ext uri="{FF2B5EF4-FFF2-40B4-BE49-F238E27FC236}">
-                  <a16:creationId xmlns:a16="http://schemas.microsoft.com/office/drawing/2014/main" id="{3DC67301-6840-75BF-704D-55BE9B4504AF}"/>
-                </a:ext>
-              </a:extLst>
-            </p:cNvPr>
-            <p:cNvSpPr/>
-            <p:nvPr/>
-          </p:nvSpPr>
-          <p:spPr>
-            <a:xfrm>
-              <a:off x="6267214" y="1990875"/>
-              <a:ext cx="771421" cy="279919"/>
-            </a:xfrm>
-            <a:prstGeom prst="rect">
-              <a:avLst/>
-            </a:prstGeom>
-            <a:solidFill>
-              <a:schemeClr val="bg1">
-                <a:lumMod val="95000"/>
-              </a:schemeClr>
-            </a:solidFill>
-            <a:ln w="19050">
-              <a:solidFill>
-                <a:schemeClr val="bg2"/>
-              </a:solidFill>
-            </a:ln>
-          </p:spPr>
-          <p:style>
-            <a:lnRef idx="2">
-              <a:schemeClr val="accent1">
-                <a:shade val="50000"/>
-              </a:schemeClr>
-            </a:lnRef>
-            <a:fillRef idx="1">
-              <a:schemeClr val="accent1"/>
-            </a:fillRef>
-            <a:effectRef idx="0">
-              <a:schemeClr val="accent1"/>
-            </a:effectRef>
-            <a:fontRef idx="minor">
-              <a:schemeClr val="lt1"/>
-            </a:fontRef>
-          </p:style>
-          <p:txBody>
-            <a:bodyPr lIns="0" rIns="0" rtlCol="0" anchor="ctr"/>
-            <a:lstStyle/>
-            <a:p>
-              <a:pPr marL="0" marR="0" lvl="0" indent="0" algn="ctr" defTabSz="914400" rtl="0" eaLnBrk="1" fontAlgn="auto" latinLnBrk="0" hangingPunct="1">
-                <a:lnSpc>
-                  <a:spcPct val="100000"/>
-                </a:lnSpc>
-                <a:spcBef>
-                  <a:spcPts val="0"/>
-                </a:spcBef>
-                <a:spcAft>
-                  <a:spcPts val="0"/>
-                </a:spcAft>
-                <a:buClrTx/>
-                <a:buSzTx/>
-                <a:buFontTx/>
-                <a:buNone/>
-                <a:tabLst/>
-                <a:defRPr/>
-              </a:pPr>
-              <a:r>
-                <a:rPr kumimoji="0" lang="en-US" sz="900" b="0" i="0" u="none" strike="noStrike" kern="1200" cap="none" spc="0" normalizeH="0" baseline="0" noProof="0" dirty="0" err="1">
-                  <a:ln>
-                    <a:noFill/>
-                  </a:ln>
-                  <a:solidFill>
-                    <a:prstClr val="black"/>
-                  </a:solidFill>
-                  <a:effectLst/>
-                  <a:uLnTx/>
-                  <a:uFillTx/>
-                  <a:ea typeface="+mn-ea"/>
-                  <a:cs typeface="+mn-cs"/>
-                </a:rPr>
-                <a:t>MicroService</a:t>
-              </a:r>
-              <a:endParaRPr kumimoji="0" lang="en-US" sz="900" b="0" i="0" u="none" strike="noStrike" kern="1200" cap="none" spc="0" normalizeH="0" baseline="0" noProof="0" dirty="0">
-                <a:ln>
-                  <a:noFill/>
-                </a:ln>
-                <a:solidFill>
-                  <a:prstClr val="black"/>
-                </a:solidFill>
-                <a:effectLst/>
-                <a:uLnTx/>
-                <a:uFillTx/>
-                <a:ea typeface="+mn-ea"/>
-                <a:cs typeface="+mn-cs"/>
-              </a:endParaRPr>
-            </a:p>
-          </p:txBody>
-        </p:sp>
-        <p:sp>
-          <p:nvSpPr>
-            <p:cNvPr id="124" name="Rectangle: Rounded Corners 123">
-              <a:extLst>
-                <a:ext uri="{FF2B5EF4-FFF2-40B4-BE49-F238E27FC236}">
-                  <a16:creationId xmlns:a16="http://schemas.microsoft.com/office/drawing/2014/main" id="{186C0271-A33C-ADDC-F608-2398C2820C52}"/>
-                </a:ext>
-              </a:extLst>
-            </p:cNvPr>
-            <p:cNvSpPr/>
-            <p:nvPr/>
-          </p:nvSpPr>
-          <p:spPr>
-            <a:xfrm>
-              <a:off x="6267214" y="1751069"/>
-              <a:ext cx="771420" cy="815478"/>
-            </a:xfrm>
-            <a:prstGeom prst="roundRect">
-              <a:avLst/>
-            </a:prstGeom>
-            <a:noFill/>
-            <a:ln w="19050">
-              <a:solidFill>
-                <a:schemeClr val="tx1"/>
-              </a:solidFill>
-            </a:ln>
-          </p:spPr>
-          <p:style>
-            <a:lnRef idx="2">
-              <a:schemeClr val="accent1">
-                <a:shade val="50000"/>
-              </a:schemeClr>
-            </a:lnRef>
-            <a:fillRef idx="1">
-              <a:schemeClr val="accent1"/>
-            </a:fillRef>
-            <a:effectRef idx="0">
-              <a:schemeClr val="accent1"/>
-            </a:effectRef>
-            <a:fontRef idx="minor">
-              <a:schemeClr val="lt1"/>
-            </a:fontRef>
-          </p:style>
-          <p:txBody>
-            <a:bodyPr tIns="0" rtlCol="0" anchor="t" anchorCtr="0"/>
-            <a:lstStyle/>
-            <a:p>
-              <a:pPr marL="0" marR="0" lvl="0" indent="0" algn="l" defTabSz="914400" rtl="0" eaLnBrk="1" fontAlgn="auto" latinLnBrk="0" hangingPunct="1">
-                <a:lnSpc>
-                  <a:spcPct val="100000"/>
-                </a:lnSpc>
-                <a:spcBef>
-                  <a:spcPts val="0"/>
-                </a:spcBef>
-                <a:spcAft>
-                  <a:spcPts val="0"/>
-                </a:spcAft>
-                <a:buClrTx/>
-                <a:buSzTx/>
-                <a:buFontTx/>
-                <a:buNone/>
-                <a:tabLst/>
-                <a:defRPr/>
-              </a:pPr>
-              <a:r>
-                <a:rPr kumimoji="0" lang="en-US" sz="800" b="0" i="0" u="none" strike="noStrike" kern="1200" cap="none" spc="0" normalizeH="0" baseline="0" noProof="0" dirty="0">
-                  <a:ln>
-                    <a:noFill/>
-                  </a:ln>
-                  <a:solidFill>
-                    <a:prstClr val="black"/>
-                  </a:solidFill>
-                  <a:effectLst/>
-                  <a:uLnTx/>
-                  <a:uFillTx/>
-                  <a:ea typeface="+mn-ea"/>
-                  <a:cs typeface="+mn-cs"/>
-                </a:rPr>
-                <a:t>currency</a:t>
-              </a:r>
-            </a:p>
-          </p:txBody>
-        </p:sp>
-      </p:grpSp>
-      <p:grpSp>
-        <p:nvGrpSpPr>
-          <p:cNvPr id="125" name="Group 124">
-            <a:extLst>
-              <a:ext uri="{FF2B5EF4-FFF2-40B4-BE49-F238E27FC236}">
-                <a16:creationId xmlns:a16="http://schemas.microsoft.com/office/drawing/2014/main" id="{E4A8C97F-B1B7-D708-BACA-C2E2B0E1223A}"/>
-              </a:ext>
-            </a:extLst>
-          </p:cNvPr>
-          <p:cNvGrpSpPr/>
-          <p:nvPr/>
-        </p:nvGrpSpPr>
-        <p:grpSpPr>
-          <a:xfrm>
-            <a:off x="5079218" y="5182783"/>
-            <a:ext cx="771421" cy="815478"/>
-            <a:chOff x="6267214" y="1751069"/>
-            <a:chExt cx="771421" cy="815478"/>
-          </a:xfrm>
-        </p:grpSpPr>
-        <p:sp>
-          <p:nvSpPr>
-            <p:cNvPr id="126" name="Rectangle 125">
-              <a:extLst>
-                <a:ext uri="{FF2B5EF4-FFF2-40B4-BE49-F238E27FC236}">
-                  <a16:creationId xmlns:a16="http://schemas.microsoft.com/office/drawing/2014/main" id="{FB5495EB-7BDA-5AE1-7EAF-8654A2CCFE6E}"/>
-                </a:ext>
-              </a:extLst>
-            </p:cNvPr>
-            <p:cNvSpPr/>
-            <p:nvPr/>
-          </p:nvSpPr>
-          <p:spPr>
-            <a:xfrm>
-              <a:off x="6267214" y="1990875"/>
-              <a:ext cx="771421" cy="279919"/>
-            </a:xfrm>
-            <a:prstGeom prst="rect">
-              <a:avLst/>
-            </a:prstGeom>
-            <a:solidFill>
-              <a:schemeClr val="bg1">
-                <a:lumMod val="95000"/>
-              </a:schemeClr>
-            </a:solidFill>
-            <a:ln w="19050">
-              <a:solidFill>
-                <a:schemeClr val="bg2"/>
-              </a:solidFill>
-            </a:ln>
-          </p:spPr>
-          <p:style>
-            <a:lnRef idx="2">
-              <a:schemeClr val="accent1">
-                <a:shade val="50000"/>
-              </a:schemeClr>
-            </a:lnRef>
-            <a:fillRef idx="1">
-              <a:schemeClr val="accent1"/>
-            </a:fillRef>
-            <a:effectRef idx="0">
-              <a:schemeClr val="accent1"/>
-            </a:effectRef>
-            <a:fontRef idx="minor">
-              <a:schemeClr val="lt1"/>
-            </a:fontRef>
-          </p:style>
-          <p:txBody>
-            <a:bodyPr lIns="0" rIns="0" rtlCol="0" anchor="ctr"/>
-            <a:lstStyle/>
-            <a:p>
-              <a:pPr marL="0" marR="0" lvl="0" indent="0" algn="ctr" defTabSz="914400" rtl="0" eaLnBrk="1" fontAlgn="auto" latinLnBrk="0" hangingPunct="1">
-                <a:lnSpc>
-                  <a:spcPct val="100000"/>
-                </a:lnSpc>
-                <a:spcBef>
-                  <a:spcPts val="0"/>
-                </a:spcBef>
-                <a:spcAft>
-                  <a:spcPts val="0"/>
-                </a:spcAft>
-                <a:buClrTx/>
-                <a:buSzTx/>
-                <a:buFontTx/>
-                <a:buNone/>
-                <a:tabLst/>
-                <a:defRPr/>
-              </a:pPr>
-              <a:r>
-                <a:rPr kumimoji="0" lang="en-US" sz="900" b="0" i="0" u="none" strike="noStrike" kern="1200" cap="none" spc="0" normalizeH="0" baseline="0" noProof="0" dirty="0" err="1">
-                  <a:ln>
-                    <a:noFill/>
-                  </a:ln>
-                  <a:solidFill>
-                    <a:prstClr val="black"/>
-                  </a:solidFill>
-                  <a:effectLst/>
-                  <a:uLnTx/>
-                  <a:uFillTx/>
-                  <a:ea typeface="+mn-ea"/>
-                  <a:cs typeface="+mn-cs"/>
-                </a:rPr>
-                <a:t>MicroService</a:t>
-              </a:r>
-              <a:endParaRPr kumimoji="0" lang="en-US" sz="900" b="0" i="0" u="none" strike="noStrike" kern="1200" cap="none" spc="0" normalizeH="0" baseline="0" noProof="0" dirty="0">
-                <a:ln>
-                  <a:noFill/>
-                </a:ln>
-                <a:solidFill>
-                  <a:prstClr val="black"/>
-                </a:solidFill>
-                <a:effectLst/>
-                <a:uLnTx/>
-                <a:uFillTx/>
-                <a:ea typeface="+mn-ea"/>
-                <a:cs typeface="+mn-cs"/>
-              </a:endParaRPr>
-            </a:p>
-          </p:txBody>
-        </p:sp>
-        <p:sp>
-          <p:nvSpPr>
-            <p:cNvPr id="127" name="Rectangle: Rounded Corners 126">
-              <a:extLst>
-                <a:ext uri="{FF2B5EF4-FFF2-40B4-BE49-F238E27FC236}">
-                  <a16:creationId xmlns:a16="http://schemas.microsoft.com/office/drawing/2014/main" id="{0BD901D1-48E6-7825-E266-4C5BA4E98D60}"/>
-                </a:ext>
-              </a:extLst>
-            </p:cNvPr>
-            <p:cNvSpPr/>
-            <p:nvPr/>
-          </p:nvSpPr>
-          <p:spPr>
-            <a:xfrm>
-              <a:off x="6267214" y="1751069"/>
-              <a:ext cx="771420" cy="815478"/>
-            </a:xfrm>
-            <a:prstGeom prst="roundRect">
-              <a:avLst/>
-            </a:prstGeom>
-            <a:noFill/>
-            <a:ln w="19050">
-              <a:solidFill>
-                <a:schemeClr val="tx1"/>
-              </a:solidFill>
-            </a:ln>
-          </p:spPr>
-          <p:style>
-            <a:lnRef idx="2">
-              <a:schemeClr val="accent1">
-                <a:shade val="50000"/>
-              </a:schemeClr>
-            </a:lnRef>
-            <a:fillRef idx="1">
-              <a:schemeClr val="accent1"/>
-            </a:fillRef>
-            <a:effectRef idx="0">
-              <a:schemeClr val="accent1"/>
-            </a:effectRef>
-            <a:fontRef idx="minor">
-              <a:schemeClr val="lt1"/>
-            </a:fontRef>
-          </p:style>
-          <p:txBody>
-            <a:bodyPr tIns="0" rtlCol="0" anchor="t" anchorCtr="0"/>
-            <a:lstStyle/>
-            <a:p>
-              <a:pPr marL="0" marR="0" lvl="0" indent="0" algn="l" defTabSz="914400" rtl="0" eaLnBrk="1" fontAlgn="auto" latinLnBrk="0" hangingPunct="1">
-                <a:lnSpc>
-                  <a:spcPct val="100000"/>
-                </a:lnSpc>
-                <a:spcBef>
-                  <a:spcPts val="0"/>
-                </a:spcBef>
-                <a:spcAft>
-                  <a:spcPts val="0"/>
-                </a:spcAft>
-                <a:buClrTx/>
-                <a:buSzTx/>
-                <a:buFontTx/>
-                <a:buNone/>
-                <a:tabLst/>
-                <a:defRPr/>
-              </a:pPr>
-              <a:r>
-                <a:rPr kumimoji="0" lang="en-US" sz="800" b="0" i="0" u="none" strike="noStrike" kern="1200" cap="none" spc="0" normalizeH="0" baseline="0" noProof="0" dirty="0" err="1">
-                  <a:ln>
-                    <a:noFill/>
-                  </a:ln>
-                  <a:solidFill>
-                    <a:prstClr val="black"/>
-                  </a:solidFill>
-                  <a:effectLst/>
-                  <a:uLnTx/>
-                  <a:uFillTx/>
-                  <a:ea typeface="+mn-ea"/>
-                  <a:cs typeface="+mn-cs"/>
-                </a:rPr>
-                <a:t>redis</a:t>
-              </a:r>
-              <a:endParaRPr kumimoji="0" lang="en-US" sz="800" b="0" i="0" u="none" strike="noStrike" kern="1200" cap="none" spc="0" normalizeH="0" baseline="0" noProof="0" dirty="0">
-                <a:ln>
-                  <a:noFill/>
-                </a:ln>
-                <a:solidFill>
-                  <a:prstClr val="black"/>
-                </a:solidFill>
-                <a:effectLst/>
-                <a:uLnTx/>
-                <a:uFillTx/>
-                <a:ea typeface="+mn-ea"/>
-                <a:cs typeface="+mn-cs"/>
-              </a:endParaRPr>
-            </a:p>
-          </p:txBody>
-        </p:sp>
-      </p:grpSp>
-      <p:grpSp>
-        <p:nvGrpSpPr>
-          <p:cNvPr id="128" name="Group 127">
-            <a:extLst>
-              <a:ext uri="{FF2B5EF4-FFF2-40B4-BE49-F238E27FC236}">
-                <a16:creationId xmlns:a16="http://schemas.microsoft.com/office/drawing/2014/main" id="{1FF26394-C1EA-DE04-430B-DFBDE81A42CC}"/>
-              </a:ext>
-            </a:extLst>
-          </p:cNvPr>
-          <p:cNvGrpSpPr/>
-          <p:nvPr/>
-        </p:nvGrpSpPr>
-        <p:grpSpPr>
-          <a:xfrm>
-            <a:off x="6462549" y="859740"/>
-            <a:ext cx="771421" cy="815478"/>
-            <a:chOff x="6267214" y="1751069"/>
-            <a:chExt cx="771421" cy="815478"/>
-          </a:xfrm>
-        </p:grpSpPr>
-        <p:sp>
-          <p:nvSpPr>
-            <p:cNvPr id="129" name="Rectangle 128">
-              <a:extLst>
-                <a:ext uri="{FF2B5EF4-FFF2-40B4-BE49-F238E27FC236}">
-                  <a16:creationId xmlns:a16="http://schemas.microsoft.com/office/drawing/2014/main" id="{DF9C0517-DFDA-80A2-3118-3AEC6677730F}"/>
-                </a:ext>
-              </a:extLst>
-            </p:cNvPr>
-            <p:cNvSpPr/>
-            <p:nvPr/>
-          </p:nvSpPr>
-          <p:spPr>
-            <a:xfrm>
-              <a:off x="6267214" y="1990875"/>
-              <a:ext cx="771421" cy="279919"/>
-            </a:xfrm>
-            <a:prstGeom prst="rect">
-              <a:avLst/>
-            </a:prstGeom>
-            <a:solidFill>
-              <a:schemeClr val="bg1">
-                <a:lumMod val="95000"/>
-              </a:schemeClr>
-            </a:solidFill>
-            <a:ln w="19050">
-              <a:solidFill>
-                <a:schemeClr val="bg2"/>
-              </a:solidFill>
-            </a:ln>
-          </p:spPr>
-          <p:style>
-            <a:lnRef idx="2">
-              <a:schemeClr val="accent1">
-                <a:shade val="50000"/>
-              </a:schemeClr>
-            </a:lnRef>
-            <a:fillRef idx="1">
-              <a:schemeClr val="accent1"/>
-            </a:fillRef>
-            <a:effectRef idx="0">
-              <a:schemeClr val="accent1"/>
-            </a:effectRef>
-            <a:fontRef idx="minor">
-              <a:schemeClr val="lt1"/>
-            </a:fontRef>
-          </p:style>
-          <p:txBody>
-            <a:bodyPr lIns="0" rIns="0" rtlCol="0" anchor="ctr"/>
-            <a:lstStyle/>
-            <a:p>
-              <a:pPr marL="0" marR="0" lvl="0" indent="0" algn="ctr" defTabSz="914400" rtl="0" eaLnBrk="1" fontAlgn="auto" latinLnBrk="0" hangingPunct="1">
-                <a:lnSpc>
-                  <a:spcPct val="100000"/>
-                </a:lnSpc>
-                <a:spcBef>
-                  <a:spcPts val="0"/>
-                </a:spcBef>
-                <a:spcAft>
-                  <a:spcPts val="0"/>
-                </a:spcAft>
-                <a:buClrTx/>
-                <a:buSzTx/>
-                <a:buFontTx/>
-                <a:buNone/>
-                <a:tabLst/>
-                <a:defRPr/>
-              </a:pPr>
-              <a:r>
-                <a:rPr kumimoji="0" lang="en-US" sz="900" b="0" i="0" u="none" strike="noStrike" kern="1200" cap="none" spc="0" normalizeH="0" baseline="0" noProof="0" dirty="0" err="1">
-                  <a:ln>
-                    <a:noFill/>
-                  </a:ln>
-                  <a:solidFill>
-                    <a:prstClr val="black"/>
-                  </a:solidFill>
-                  <a:effectLst/>
-                  <a:uLnTx/>
-                  <a:uFillTx/>
-                  <a:ea typeface="+mn-ea"/>
-                  <a:cs typeface="+mn-cs"/>
-                </a:rPr>
-                <a:t>MicroService</a:t>
-              </a:r>
-              <a:endParaRPr kumimoji="0" lang="en-US" sz="900" b="0" i="0" u="none" strike="noStrike" kern="1200" cap="none" spc="0" normalizeH="0" baseline="0" noProof="0" dirty="0">
-                <a:ln>
-                  <a:noFill/>
-                </a:ln>
-                <a:solidFill>
-                  <a:prstClr val="black"/>
-                </a:solidFill>
-                <a:effectLst/>
-                <a:uLnTx/>
-                <a:uFillTx/>
-                <a:ea typeface="+mn-ea"/>
-                <a:cs typeface="+mn-cs"/>
-              </a:endParaRPr>
-            </a:p>
-          </p:txBody>
-        </p:sp>
-        <p:sp>
-          <p:nvSpPr>
-            <p:cNvPr id="130" name="Rectangle: Rounded Corners 129">
-              <a:extLst>
-                <a:ext uri="{FF2B5EF4-FFF2-40B4-BE49-F238E27FC236}">
-                  <a16:creationId xmlns:a16="http://schemas.microsoft.com/office/drawing/2014/main" id="{82FDA0C5-7E9F-C79F-D705-42AA24356543}"/>
-                </a:ext>
-              </a:extLst>
-            </p:cNvPr>
-            <p:cNvSpPr/>
-            <p:nvPr/>
-          </p:nvSpPr>
-          <p:spPr>
-            <a:xfrm>
-              <a:off x="6267214" y="1751069"/>
-              <a:ext cx="771420" cy="815478"/>
-            </a:xfrm>
-            <a:prstGeom prst="roundRect">
-              <a:avLst/>
-            </a:prstGeom>
-            <a:noFill/>
-            <a:ln w="19050">
-              <a:solidFill>
-                <a:schemeClr val="tx1"/>
-              </a:solidFill>
-            </a:ln>
-          </p:spPr>
-          <p:style>
-            <a:lnRef idx="2">
-              <a:schemeClr val="accent1">
-                <a:shade val="50000"/>
-              </a:schemeClr>
-            </a:lnRef>
-            <a:fillRef idx="1">
-              <a:schemeClr val="accent1"/>
-            </a:fillRef>
-            <a:effectRef idx="0">
-              <a:schemeClr val="accent1"/>
-            </a:effectRef>
-            <a:fontRef idx="minor">
-              <a:schemeClr val="lt1"/>
-            </a:fontRef>
-          </p:style>
-          <p:txBody>
-            <a:bodyPr tIns="0" rtlCol="0" anchor="t" anchorCtr="0"/>
-            <a:lstStyle/>
-            <a:p>
-              <a:pPr marL="0" marR="0" lvl="0" indent="0" algn="l" defTabSz="914400" rtl="0" eaLnBrk="1" fontAlgn="auto" latinLnBrk="0" hangingPunct="1">
-                <a:lnSpc>
-                  <a:spcPct val="100000"/>
-                </a:lnSpc>
-                <a:spcBef>
-                  <a:spcPts val="0"/>
-                </a:spcBef>
-                <a:spcAft>
-                  <a:spcPts val="0"/>
-                </a:spcAft>
-                <a:buClrTx/>
-                <a:buSzTx/>
-                <a:buFontTx/>
-                <a:buNone/>
-                <a:tabLst/>
-                <a:defRPr/>
-              </a:pPr>
-              <a:r>
-                <a:rPr kumimoji="0" lang="en-US" sz="800" b="0" i="0" u="none" strike="noStrike" kern="1200" cap="none" spc="0" normalizeH="0" baseline="0" noProof="0" dirty="0">
-                  <a:ln>
-                    <a:noFill/>
-                  </a:ln>
-                  <a:solidFill>
-                    <a:prstClr val="black"/>
-                  </a:solidFill>
-                  <a:effectLst/>
-                  <a:uLnTx/>
-                  <a:uFillTx/>
-                  <a:ea typeface="+mn-ea"/>
-                  <a:cs typeface="+mn-cs"/>
-                </a:rPr>
-                <a:t>checkout</a:t>
-              </a:r>
-            </a:p>
-          </p:txBody>
-        </p:sp>
-      </p:grpSp>
-      <p:grpSp>
-        <p:nvGrpSpPr>
-          <p:cNvPr id="131" name="Group 130">
-            <a:extLst>
-              <a:ext uri="{FF2B5EF4-FFF2-40B4-BE49-F238E27FC236}">
-                <a16:creationId xmlns:a16="http://schemas.microsoft.com/office/drawing/2014/main" id="{5D6DBF0C-A57D-9530-8710-1B12E83DB9F0}"/>
-              </a:ext>
-            </a:extLst>
-          </p:cNvPr>
-          <p:cNvGrpSpPr/>
-          <p:nvPr/>
-        </p:nvGrpSpPr>
-        <p:grpSpPr>
-          <a:xfrm>
-            <a:off x="2987709" y="2200940"/>
-            <a:ext cx="771421" cy="815478"/>
-            <a:chOff x="6267214" y="1751069"/>
-            <a:chExt cx="771421" cy="815478"/>
-          </a:xfrm>
-        </p:grpSpPr>
-        <p:sp>
-          <p:nvSpPr>
-            <p:cNvPr id="132" name="Rectangle 131">
-              <a:extLst>
-                <a:ext uri="{FF2B5EF4-FFF2-40B4-BE49-F238E27FC236}">
-                  <a16:creationId xmlns:a16="http://schemas.microsoft.com/office/drawing/2014/main" id="{18656223-4D00-D562-7C72-D763DB930906}"/>
-                </a:ext>
-              </a:extLst>
-            </p:cNvPr>
-            <p:cNvSpPr/>
-            <p:nvPr/>
-          </p:nvSpPr>
-          <p:spPr>
-            <a:xfrm>
-              <a:off x="6267214" y="1990875"/>
-              <a:ext cx="771421" cy="279919"/>
-            </a:xfrm>
-            <a:prstGeom prst="rect">
-              <a:avLst/>
-            </a:prstGeom>
-            <a:solidFill>
-              <a:schemeClr val="bg1">
-                <a:lumMod val="95000"/>
-              </a:schemeClr>
-            </a:solidFill>
-            <a:ln w="19050">
-              <a:solidFill>
-                <a:schemeClr val="bg2"/>
-              </a:solidFill>
-            </a:ln>
-          </p:spPr>
-          <p:style>
-            <a:lnRef idx="2">
-              <a:schemeClr val="accent1">
-                <a:shade val="50000"/>
-              </a:schemeClr>
-            </a:lnRef>
-            <a:fillRef idx="1">
-              <a:schemeClr val="accent1"/>
-            </a:fillRef>
-            <a:effectRef idx="0">
-              <a:schemeClr val="accent1"/>
-            </a:effectRef>
-            <a:fontRef idx="minor">
-              <a:schemeClr val="lt1"/>
-            </a:fontRef>
-          </p:style>
-          <p:txBody>
-            <a:bodyPr lIns="0" rIns="0" rtlCol="0" anchor="ctr"/>
-            <a:lstStyle/>
-            <a:p>
-              <a:pPr marL="0" marR="0" lvl="0" indent="0" algn="ctr" defTabSz="914400" rtl="0" eaLnBrk="1" fontAlgn="auto" latinLnBrk="0" hangingPunct="1">
-                <a:lnSpc>
-                  <a:spcPct val="100000"/>
-                </a:lnSpc>
-                <a:spcBef>
-                  <a:spcPts val="0"/>
-                </a:spcBef>
-                <a:spcAft>
-                  <a:spcPts val="0"/>
-                </a:spcAft>
-                <a:buClrTx/>
-                <a:buSzTx/>
-                <a:buFontTx/>
-                <a:buNone/>
-                <a:tabLst/>
-                <a:defRPr/>
-              </a:pPr>
-              <a:r>
-                <a:rPr kumimoji="0" lang="en-US" sz="900" b="0" i="0" u="none" strike="noStrike" kern="1200" cap="none" spc="0" normalizeH="0" baseline="0" noProof="0" dirty="0" err="1">
-                  <a:ln>
-                    <a:noFill/>
-                  </a:ln>
-                  <a:solidFill>
-                    <a:prstClr val="black"/>
-                  </a:solidFill>
-                  <a:effectLst/>
-                  <a:uLnTx/>
-                  <a:uFillTx/>
-                  <a:ea typeface="+mn-ea"/>
-                  <a:cs typeface="+mn-cs"/>
-                </a:rPr>
-                <a:t>MicroService</a:t>
-              </a:r>
-              <a:endParaRPr kumimoji="0" lang="en-US" sz="900" b="0" i="0" u="none" strike="noStrike" kern="1200" cap="none" spc="0" normalizeH="0" baseline="0" noProof="0" dirty="0">
-                <a:ln>
-                  <a:noFill/>
-                </a:ln>
-                <a:solidFill>
-                  <a:prstClr val="black"/>
-                </a:solidFill>
-                <a:effectLst/>
-                <a:uLnTx/>
-                <a:uFillTx/>
-                <a:ea typeface="+mn-ea"/>
-                <a:cs typeface="+mn-cs"/>
-              </a:endParaRPr>
-            </a:p>
-          </p:txBody>
-        </p:sp>
-        <p:sp>
-          <p:nvSpPr>
-            <p:cNvPr id="133" name="Rectangle: Rounded Corners 132">
-              <a:extLst>
-                <a:ext uri="{FF2B5EF4-FFF2-40B4-BE49-F238E27FC236}">
-                  <a16:creationId xmlns:a16="http://schemas.microsoft.com/office/drawing/2014/main" id="{2C38DDC5-FB5E-8526-07CD-37E2F4F274A8}"/>
-                </a:ext>
-              </a:extLst>
-            </p:cNvPr>
-            <p:cNvSpPr/>
-            <p:nvPr/>
-          </p:nvSpPr>
-          <p:spPr>
-            <a:xfrm>
-              <a:off x="6267214" y="1751069"/>
-              <a:ext cx="771420" cy="815478"/>
-            </a:xfrm>
-            <a:prstGeom prst="roundRect">
-              <a:avLst/>
-            </a:prstGeom>
-            <a:noFill/>
-            <a:ln w="19050">
-              <a:solidFill>
-                <a:schemeClr val="tx1"/>
-              </a:solidFill>
-            </a:ln>
-          </p:spPr>
-          <p:style>
-            <a:lnRef idx="2">
-              <a:schemeClr val="accent1">
-                <a:shade val="50000"/>
-              </a:schemeClr>
-            </a:lnRef>
-            <a:fillRef idx="1">
-              <a:schemeClr val="accent1"/>
-            </a:fillRef>
-            <a:effectRef idx="0">
-              <a:schemeClr val="accent1"/>
-            </a:effectRef>
-            <a:fontRef idx="minor">
-              <a:schemeClr val="lt1"/>
-            </a:fontRef>
-          </p:style>
-          <p:txBody>
-            <a:bodyPr tIns="0" rtlCol="0" anchor="t" anchorCtr="0"/>
-            <a:lstStyle/>
-            <a:p>
-              <a:pPr marL="0" marR="0" lvl="0" indent="0" algn="l" defTabSz="914400" rtl="0" eaLnBrk="1" fontAlgn="auto" latinLnBrk="0" hangingPunct="1">
-                <a:lnSpc>
-                  <a:spcPct val="100000"/>
-                </a:lnSpc>
-                <a:spcBef>
-                  <a:spcPts val="0"/>
-                </a:spcBef>
-                <a:spcAft>
-                  <a:spcPts val="0"/>
-                </a:spcAft>
-                <a:buClrTx/>
-                <a:buSzTx/>
-                <a:buFontTx/>
-                <a:buNone/>
-                <a:tabLst/>
-                <a:defRPr/>
-              </a:pPr>
-              <a:r>
-                <a:rPr kumimoji="0" lang="en-US" sz="800" b="0" i="0" u="none" strike="noStrike" kern="1200" cap="none" spc="0" normalizeH="0" baseline="0" noProof="0" dirty="0">
-                  <a:ln>
-                    <a:noFill/>
-                  </a:ln>
-                  <a:solidFill>
-                    <a:prstClr val="black"/>
-                  </a:solidFill>
-                  <a:effectLst/>
-                  <a:uLnTx/>
-                  <a:uFillTx/>
-                  <a:ea typeface="+mn-ea"/>
-                  <a:cs typeface="+mn-cs"/>
-                </a:rPr>
-                <a:t>ad</a:t>
-              </a:r>
-            </a:p>
-          </p:txBody>
-        </p:sp>
-      </p:grpSp>
-      <p:cxnSp>
-        <p:nvCxnSpPr>
-          <p:cNvPr id="136" name="Straight Arrow Connector 135">
-            <a:extLst>
-              <a:ext uri="{FF2B5EF4-FFF2-40B4-BE49-F238E27FC236}">
-                <a16:creationId xmlns:a16="http://schemas.microsoft.com/office/drawing/2014/main" id="{C7506D7B-F5B8-591E-6647-31CEA393ECD5}"/>
-              </a:ext>
-            </a:extLst>
-          </p:cNvPr>
-          <p:cNvCxnSpPr>
-            <a:cxnSpLocks/>
-            <a:stCxn id="130" idx="1"/>
-            <a:endCxn id="100" idx="3"/>
-          </p:cNvCxnSpPr>
-          <p:nvPr/>
-        </p:nvCxnSpPr>
-        <p:spPr>
-          <a:xfrm flipH="1">
-            <a:off x="5850638" y="1267479"/>
-            <a:ext cx="611911" cy="0"/>
-          </a:xfrm>
-          <a:prstGeom prst="straightConnector1">
-            <a:avLst/>
-          </a:prstGeom>
-          <a:ln w="12700">
-            <a:solidFill>
-              <a:schemeClr val="tx1"/>
-            </a:solidFill>
-            <a:headEnd type="triangle" w="med" len="med"/>
-            <a:tailEnd type="none" w="med" len="med"/>
-          </a:ln>
-        </p:spPr>
-        <p:style>
-          <a:lnRef idx="1">
-            <a:schemeClr val="accent1"/>
-          </a:lnRef>
-          <a:fillRef idx="0">
-            <a:schemeClr val="accent1"/>
-          </a:fillRef>
-          <a:effectRef idx="0">
-            <a:schemeClr val="accent1"/>
-          </a:effectRef>
-          <a:fontRef idx="minor">
-            <a:schemeClr val="tx1"/>
-          </a:fontRef>
-        </p:style>
-      </p:cxnSp>
-      <p:cxnSp>
-        <p:nvCxnSpPr>
-          <p:cNvPr id="139" name="Straight Arrow Connector 138">
-            <a:extLst>
-              <a:ext uri="{FF2B5EF4-FFF2-40B4-BE49-F238E27FC236}">
-                <a16:creationId xmlns:a16="http://schemas.microsoft.com/office/drawing/2014/main" id="{36407849-ECEE-BEED-876A-88458230B5F7}"/>
-              </a:ext>
-            </a:extLst>
-          </p:cNvPr>
-          <p:cNvCxnSpPr>
-            <a:cxnSpLocks/>
-            <a:stCxn id="109" idx="0"/>
-            <a:endCxn id="100" idx="2"/>
-          </p:cNvCxnSpPr>
-          <p:nvPr/>
-        </p:nvCxnSpPr>
-        <p:spPr>
-          <a:xfrm flipV="1">
-            <a:off x="5464927" y="1675218"/>
-            <a:ext cx="1" cy="2395785"/>
-          </a:xfrm>
-          <a:prstGeom prst="straightConnector1">
-            <a:avLst/>
-          </a:prstGeom>
-          <a:ln w="12700">
-            <a:solidFill>
-              <a:schemeClr val="tx1"/>
-            </a:solidFill>
-            <a:headEnd type="triangle" w="med" len="med"/>
-            <a:tailEnd type="none" w="med" len="med"/>
-          </a:ln>
-        </p:spPr>
-        <p:style>
-          <a:lnRef idx="1">
-            <a:schemeClr val="accent1"/>
-          </a:lnRef>
-          <a:fillRef idx="0">
-            <a:schemeClr val="accent1"/>
-          </a:fillRef>
-          <a:effectRef idx="0">
-            <a:schemeClr val="accent1"/>
-          </a:effectRef>
-          <a:fontRef idx="minor">
-            <a:schemeClr val="tx1"/>
-          </a:fontRef>
-        </p:style>
-      </p:cxnSp>
-      <p:cxnSp>
-        <p:nvCxnSpPr>
-          <p:cNvPr id="142" name="Straight Arrow Connector 141">
-            <a:extLst>
-              <a:ext uri="{FF2B5EF4-FFF2-40B4-BE49-F238E27FC236}">
-                <a16:creationId xmlns:a16="http://schemas.microsoft.com/office/drawing/2014/main" id="{FFE2F3C2-239A-5312-BCDB-439647E840F4}"/>
-              </a:ext>
-            </a:extLst>
-          </p:cNvPr>
-          <p:cNvCxnSpPr>
-            <a:cxnSpLocks/>
-            <a:stCxn id="127" idx="0"/>
-            <a:endCxn id="109" idx="2"/>
-          </p:cNvCxnSpPr>
-          <p:nvPr/>
-        </p:nvCxnSpPr>
-        <p:spPr>
-          <a:xfrm flipH="1" flipV="1">
-            <a:off x="5464927" y="4886481"/>
-            <a:ext cx="1" cy="296302"/>
-          </a:xfrm>
-          <a:prstGeom prst="straightConnector1">
-            <a:avLst/>
-          </a:prstGeom>
-          <a:ln w="12700">
-            <a:solidFill>
-              <a:schemeClr val="tx1"/>
-            </a:solidFill>
-            <a:headEnd type="triangle" w="med" len="med"/>
-            <a:tailEnd type="none" w="med" len="med"/>
-          </a:ln>
-        </p:spPr>
-        <p:style>
-          <a:lnRef idx="1">
-            <a:schemeClr val="accent1"/>
-          </a:lnRef>
-          <a:fillRef idx="0">
-            <a:schemeClr val="accent1"/>
-          </a:fillRef>
-          <a:effectRef idx="0">
-            <a:schemeClr val="accent1"/>
-          </a:effectRef>
-          <a:fontRef idx="minor">
-            <a:schemeClr val="tx1"/>
-          </a:fontRef>
-        </p:style>
-      </p:cxnSp>
-      <p:cxnSp>
-        <p:nvCxnSpPr>
-          <p:cNvPr id="146" name="Straight Arrow Connector 145">
-            <a:extLst>
-              <a:ext uri="{FF2B5EF4-FFF2-40B4-BE49-F238E27FC236}">
-                <a16:creationId xmlns:a16="http://schemas.microsoft.com/office/drawing/2014/main" id="{FDCD0BC2-5D88-9F30-5311-8A1602679A46}"/>
-              </a:ext>
-            </a:extLst>
-          </p:cNvPr>
-          <p:cNvCxnSpPr>
-            <a:cxnSpLocks/>
-            <a:stCxn id="103" idx="0"/>
-            <a:endCxn id="130" idx="2"/>
-          </p:cNvCxnSpPr>
-          <p:nvPr/>
-        </p:nvCxnSpPr>
-        <p:spPr>
-          <a:xfrm flipV="1">
-            <a:off x="4285648" y="1675218"/>
-            <a:ext cx="2562611" cy="2055042"/>
-          </a:xfrm>
-          <a:prstGeom prst="straightConnector1">
-            <a:avLst/>
-          </a:prstGeom>
-          <a:ln w="12700">
-            <a:solidFill>
-              <a:schemeClr val="tx1"/>
-            </a:solidFill>
-            <a:headEnd type="triangle" w="med" len="med"/>
-            <a:tailEnd type="none" w="med" len="med"/>
-          </a:ln>
-        </p:spPr>
-        <p:style>
-          <a:lnRef idx="1">
-            <a:schemeClr val="accent1"/>
-          </a:lnRef>
-          <a:fillRef idx="0">
-            <a:schemeClr val="accent1"/>
-          </a:fillRef>
-          <a:effectRef idx="0">
-            <a:schemeClr val="accent1"/>
-          </a:effectRef>
-          <a:fontRef idx="minor">
-            <a:schemeClr val="tx1"/>
-          </a:fontRef>
-        </p:style>
-      </p:cxnSp>
-      <p:cxnSp>
-        <p:nvCxnSpPr>
-          <p:cNvPr id="147" name="Straight Arrow Connector 146">
-            <a:extLst>
-              <a:ext uri="{FF2B5EF4-FFF2-40B4-BE49-F238E27FC236}">
-                <a16:creationId xmlns:a16="http://schemas.microsoft.com/office/drawing/2014/main" id="{F41AEDE4-3B93-DB9F-CD83-184F287DDC1F}"/>
-              </a:ext>
-            </a:extLst>
-          </p:cNvPr>
-          <p:cNvCxnSpPr>
-            <a:cxnSpLocks/>
-            <a:stCxn id="103" idx="0"/>
-            <a:endCxn id="121" idx="2"/>
-          </p:cNvCxnSpPr>
-          <p:nvPr/>
-        </p:nvCxnSpPr>
-        <p:spPr>
-          <a:xfrm flipV="1">
-            <a:off x="4285648" y="3016418"/>
-            <a:ext cx="0" cy="713842"/>
-          </a:xfrm>
-          <a:prstGeom prst="straightConnector1">
-            <a:avLst/>
-          </a:prstGeom>
-          <a:ln w="12700">
-            <a:solidFill>
-              <a:schemeClr val="tx1"/>
-            </a:solidFill>
-            <a:headEnd type="triangle" w="med" len="med"/>
-            <a:tailEnd type="none" w="med" len="med"/>
-          </a:ln>
-        </p:spPr>
-        <p:style>
-          <a:lnRef idx="1">
-            <a:schemeClr val="accent1"/>
-          </a:lnRef>
-          <a:fillRef idx="0">
-            <a:schemeClr val="accent1"/>
-          </a:fillRef>
-          <a:effectRef idx="0">
-            <a:schemeClr val="accent1"/>
-          </a:effectRef>
-          <a:fontRef idx="minor">
-            <a:schemeClr val="tx1"/>
-          </a:fontRef>
-        </p:style>
-      </p:cxnSp>
-      <p:cxnSp>
-        <p:nvCxnSpPr>
-          <p:cNvPr id="148" name="Straight Arrow Connector 147">
-            <a:extLst>
-              <a:ext uri="{FF2B5EF4-FFF2-40B4-BE49-F238E27FC236}">
-                <a16:creationId xmlns:a16="http://schemas.microsoft.com/office/drawing/2014/main" id="{52F41FFC-E48B-FDEB-B85A-6A8C4868D710}"/>
-              </a:ext>
-            </a:extLst>
-          </p:cNvPr>
-          <p:cNvCxnSpPr>
-            <a:cxnSpLocks/>
-            <a:stCxn id="118" idx="0"/>
-            <a:endCxn id="130" idx="2"/>
-          </p:cNvCxnSpPr>
-          <p:nvPr/>
-        </p:nvCxnSpPr>
-        <p:spPr>
-          <a:xfrm flipH="1" flipV="1">
-            <a:off x="6848259" y="1675218"/>
-            <a:ext cx="1970321" cy="525722"/>
-          </a:xfrm>
-          <a:prstGeom prst="straightConnector1">
-            <a:avLst/>
-          </a:prstGeom>
-          <a:ln w="12700">
-            <a:solidFill>
-              <a:schemeClr val="tx1"/>
-            </a:solidFill>
-            <a:headEnd type="triangle" w="med" len="med"/>
-            <a:tailEnd type="none" w="med" len="med"/>
-          </a:ln>
-        </p:spPr>
-        <p:style>
-          <a:lnRef idx="1">
-            <a:schemeClr val="accent1"/>
-          </a:lnRef>
-          <a:fillRef idx="0">
-            <a:schemeClr val="accent1"/>
-          </a:fillRef>
-          <a:effectRef idx="0">
-            <a:schemeClr val="accent1"/>
-          </a:effectRef>
-          <a:fontRef idx="minor">
-            <a:schemeClr val="tx1"/>
-          </a:fontRef>
-        </p:style>
-      </p:cxnSp>
-      <p:cxnSp>
-        <p:nvCxnSpPr>
-          <p:cNvPr id="150" name="Straight Arrow Connector 149">
-            <a:extLst>
-              <a:ext uri="{FF2B5EF4-FFF2-40B4-BE49-F238E27FC236}">
-                <a16:creationId xmlns:a16="http://schemas.microsoft.com/office/drawing/2014/main" id="{6EB4BC56-ABC4-B6C7-ED0C-8A891E369805}"/>
-              </a:ext>
-            </a:extLst>
-          </p:cNvPr>
-          <p:cNvCxnSpPr>
-            <a:cxnSpLocks/>
-            <a:stCxn id="112" idx="0"/>
-            <a:endCxn id="130" idx="2"/>
-          </p:cNvCxnSpPr>
-          <p:nvPr/>
-        </p:nvCxnSpPr>
-        <p:spPr>
-          <a:xfrm flipH="1" flipV="1">
-            <a:off x="6848259" y="1675218"/>
-            <a:ext cx="1058091" cy="525722"/>
-          </a:xfrm>
-          <a:prstGeom prst="straightConnector1">
-            <a:avLst/>
-          </a:prstGeom>
-          <a:ln w="12700">
-            <a:solidFill>
-              <a:schemeClr val="tx1"/>
-            </a:solidFill>
-            <a:headEnd type="triangle" w="med" len="med"/>
-            <a:tailEnd type="none" w="med" len="med"/>
-          </a:ln>
-        </p:spPr>
-        <p:style>
-          <a:lnRef idx="1">
-            <a:schemeClr val="accent1"/>
-          </a:lnRef>
-          <a:fillRef idx="0">
-            <a:schemeClr val="accent1"/>
-          </a:fillRef>
-          <a:effectRef idx="0">
-            <a:schemeClr val="accent1"/>
-          </a:effectRef>
-          <a:fontRef idx="minor">
-            <a:schemeClr val="tx1"/>
-          </a:fontRef>
-        </p:style>
-      </p:cxnSp>
-      <p:cxnSp>
-        <p:nvCxnSpPr>
-          <p:cNvPr id="153" name="Straight Arrow Connector 152">
-            <a:extLst>
-              <a:ext uri="{FF2B5EF4-FFF2-40B4-BE49-F238E27FC236}">
-                <a16:creationId xmlns:a16="http://schemas.microsoft.com/office/drawing/2014/main" id="{5C89F230-57E3-7733-C4DA-3C75B544BE90}"/>
-              </a:ext>
-            </a:extLst>
-          </p:cNvPr>
-          <p:cNvCxnSpPr>
-            <a:cxnSpLocks/>
-            <a:stCxn id="124" idx="0"/>
-            <a:endCxn id="130" idx="2"/>
-          </p:cNvCxnSpPr>
-          <p:nvPr/>
-        </p:nvCxnSpPr>
-        <p:spPr>
-          <a:xfrm flipH="1" flipV="1">
-            <a:off x="6848259" y="1675218"/>
-            <a:ext cx="660589" cy="2055042"/>
-          </a:xfrm>
-          <a:prstGeom prst="straightConnector1">
-            <a:avLst/>
-          </a:prstGeom>
-          <a:ln w="12700">
-            <a:solidFill>
-              <a:schemeClr val="tx1"/>
-            </a:solidFill>
-            <a:headEnd type="triangle" w="med" len="med"/>
-            <a:tailEnd type="none" w="med" len="med"/>
-          </a:ln>
-        </p:spPr>
-        <p:style>
-          <a:lnRef idx="1">
-            <a:schemeClr val="accent1"/>
-          </a:lnRef>
-          <a:fillRef idx="0">
-            <a:schemeClr val="accent1"/>
-          </a:fillRef>
-          <a:effectRef idx="0">
-            <a:schemeClr val="accent1"/>
-          </a:effectRef>
-          <a:fontRef idx="minor">
-            <a:schemeClr val="tx1"/>
-          </a:fontRef>
-        </p:style>
-      </p:cxnSp>
-      <p:cxnSp>
-        <p:nvCxnSpPr>
-          <p:cNvPr id="155" name="Straight Arrow Connector 154">
-            <a:extLst>
-              <a:ext uri="{FF2B5EF4-FFF2-40B4-BE49-F238E27FC236}">
-                <a16:creationId xmlns:a16="http://schemas.microsoft.com/office/drawing/2014/main" id="{CD106D7D-B122-E39C-E19D-34675B807CF2}"/>
-              </a:ext>
-            </a:extLst>
-          </p:cNvPr>
-          <p:cNvCxnSpPr>
-            <a:cxnSpLocks/>
-            <a:stCxn id="106" idx="0"/>
-            <a:endCxn id="130" idx="2"/>
-          </p:cNvCxnSpPr>
-          <p:nvPr/>
-        </p:nvCxnSpPr>
-        <p:spPr>
-          <a:xfrm flipV="1">
-            <a:off x="6577419" y="1675218"/>
-            <a:ext cx="270840" cy="2055042"/>
-          </a:xfrm>
-          <a:prstGeom prst="straightConnector1">
-            <a:avLst/>
-          </a:prstGeom>
-          <a:ln w="12700">
-            <a:solidFill>
-              <a:schemeClr val="tx1"/>
-            </a:solidFill>
-            <a:headEnd type="triangle" w="med" len="med"/>
-            <a:tailEnd type="none" w="med" len="med"/>
-          </a:ln>
-        </p:spPr>
-        <p:style>
-          <a:lnRef idx="1">
-            <a:schemeClr val="accent1"/>
-          </a:lnRef>
-          <a:fillRef idx="0">
-            <a:schemeClr val="accent1"/>
-          </a:fillRef>
-          <a:effectRef idx="0">
-            <a:schemeClr val="accent1"/>
-          </a:effectRef>
-          <a:fontRef idx="minor">
-            <a:schemeClr val="tx1"/>
-          </a:fontRef>
-        </p:style>
-      </p:cxnSp>
-      <p:cxnSp>
-        <p:nvCxnSpPr>
-          <p:cNvPr id="166" name="Straight Arrow Connector 165">
-            <a:extLst>
-              <a:ext uri="{FF2B5EF4-FFF2-40B4-BE49-F238E27FC236}">
-                <a16:creationId xmlns:a16="http://schemas.microsoft.com/office/drawing/2014/main" id="{836B68E6-1B82-BC55-B712-71E72F7DD0C8}"/>
-              </a:ext>
-            </a:extLst>
-          </p:cNvPr>
-          <p:cNvCxnSpPr>
-            <a:cxnSpLocks/>
-            <a:stCxn id="121" idx="0"/>
-            <a:endCxn id="100" idx="2"/>
-          </p:cNvCxnSpPr>
-          <p:nvPr/>
-        </p:nvCxnSpPr>
-        <p:spPr>
-          <a:xfrm flipV="1">
-            <a:off x="4285648" y="1675218"/>
-            <a:ext cx="1179280" cy="525722"/>
-          </a:xfrm>
-          <a:prstGeom prst="straightConnector1">
-            <a:avLst/>
-          </a:prstGeom>
-          <a:ln w="12700">
-            <a:solidFill>
-              <a:schemeClr val="tx1"/>
-            </a:solidFill>
-            <a:headEnd type="triangle" w="med" len="med"/>
-            <a:tailEnd type="none" w="med" len="med"/>
-          </a:ln>
-        </p:spPr>
-        <p:style>
-          <a:lnRef idx="1">
-            <a:schemeClr val="accent1"/>
-          </a:lnRef>
-          <a:fillRef idx="0">
-            <a:schemeClr val="accent1"/>
-          </a:fillRef>
-          <a:effectRef idx="0">
-            <a:schemeClr val="accent1"/>
-          </a:effectRef>
-          <a:fontRef idx="minor">
-            <a:schemeClr val="tx1"/>
-          </a:fontRef>
-        </p:style>
-      </p:cxnSp>
-      <p:cxnSp>
-        <p:nvCxnSpPr>
-          <p:cNvPr id="174" name="Straight Arrow Connector 173">
-            <a:extLst>
-              <a:ext uri="{FF2B5EF4-FFF2-40B4-BE49-F238E27FC236}">
-                <a16:creationId xmlns:a16="http://schemas.microsoft.com/office/drawing/2014/main" id="{31CC1511-5286-F845-7888-EDF4125C6E1E}"/>
-              </a:ext>
-            </a:extLst>
-          </p:cNvPr>
-          <p:cNvCxnSpPr>
-            <a:cxnSpLocks/>
-            <a:stCxn id="103" idx="0"/>
-            <a:endCxn id="100" idx="2"/>
-          </p:cNvCxnSpPr>
-          <p:nvPr/>
-        </p:nvCxnSpPr>
-        <p:spPr>
-          <a:xfrm flipV="1">
-            <a:off x="4285648" y="1675218"/>
-            <a:ext cx="1179280" cy="2055042"/>
-          </a:xfrm>
-          <a:prstGeom prst="straightConnector1">
-            <a:avLst/>
-          </a:prstGeom>
-          <a:ln w="12700">
-            <a:solidFill>
-              <a:schemeClr val="tx1"/>
-            </a:solidFill>
-            <a:headEnd type="triangle" w="med" len="med"/>
-            <a:tailEnd type="none" w="med" len="med"/>
-          </a:ln>
-        </p:spPr>
-        <p:style>
-          <a:lnRef idx="1">
-            <a:schemeClr val="accent1"/>
-          </a:lnRef>
-          <a:fillRef idx="0">
-            <a:schemeClr val="accent1"/>
-          </a:fillRef>
-          <a:effectRef idx="0">
-            <a:schemeClr val="accent1"/>
-          </a:effectRef>
-          <a:fontRef idx="minor">
-            <a:schemeClr val="tx1"/>
-          </a:fontRef>
-        </p:style>
-      </p:cxnSp>
-      <p:cxnSp>
-        <p:nvCxnSpPr>
-          <p:cNvPr id="177" name="Straight Arrow Connector 176">
-            <a:extLst>
-              <a:ext uri="{FF2B5EF4-FFF2-40B4-BE49-F238E27FC236}">
-                <a16:creationId xmlns:a16="http://schemas.microsoft.com/office/drawing/2014/main" id="{C33290C0-17BF-180D-F144-97E56C59ED45}"/>
-              </a:ext>
-            </a:extLst>
-          </p:cNvPr>
-          <p:cNvCxnSpPr>
-            <a:cxnSpLocks/>
-            <a:stCxn id="124" idx="0"/>
-            <a:endCxn id="100" idx="2"/>
-          </p:cNvCxnSpPr>
-          <p:nvPr/>
-        </p:nvCxnSpPr>
-        <p:spPr>
-          <a:xfrm flipH="1" flipV="1">
-            <a:off x="5464928" y="1675218"/>
-            <a:ext cx="2043920" cy="2055042"/>
-          </a:xfrm>
-          <a:prstGeom prst="straightConnector1">
-            <a:avLst/>
-          </a:prstGeom>
-          <a:ln w="12700">
-            <a:solidFill>
-              <a:schemeClr val="tx1"/>
-            </a:solidFill>
-            <a:headEnd type="triangle" w="med" len="med"/>
-            <a:tailEnd type="none" w="med" len="med"/>
-          </a:ln>
-        </p:spPr>
-        <p:style>
-          <a:lnRef idx="1">
-            <a:schemeClr val="accent1"/>
-          </a:lnRef>
-          <a:fillRef idx="0">
-            <a:schemeClr val="accent1"/>
-          </a:fillRef>
-          <a:effectRef idx="0">
-            <a:schemeClr val="accent1"/>
-          </a:effectRef>
-          <a:fontRef idx="minor">
-            <a:schemeClr val="tx1"/>
-          </a:fontRef>
-        </p:style>
-      </p:cxnSp>
-      <p:cxnSp>
-        <p:nvCxnSpPr>
-          <p:cNvPr id="180" name="Straight Arrow Connector 179">
-            <a:extLst>
-              <a:ext uri="{FF2B5EF4-FFF2-40B4-BE49-F238E27FC236}">
-                <a16:creationId xmlns:a16="http://schemas.microsoft.com/office/drawing/2014/main" id="{8361ACDD-B628-63F5-95C1-49AD82A58685}"/>
-              </a:ext>
-            </a:extLst>
-          </p:cNvPr>
-          <p:cNvCxnSpPr>
-            <a:cxnSpLocks/>
-            <a:stCxn id="106" idx="0"/>
-            <a:endCxn id="100" idx="2"/>
-          </p:cNvCxnSpPr>
-          <p:nvPr/>
-        </p:nvCxnSpPr>
-        <p:spPr>
-          <a:xfrm flipH="1" flipV="1">
-            <a:off x="5464928" y="1675218"/>
-            <a:ext cx="1112491" cy="2055042"/>
-          </a:xfrm>
-          <a:prstGeom prst="straightConnector1">
-            <a:avLst/>
-          </a:prstGeom>
-          <a:ln w="12700">
-            <a:solidFill>
-              <a:schemeClr val="tx1"/>
-            </a:solidFill>
-            <a:headEnd type="triangle" w="med" len="med"/>
-            <a:tailEnd type="none" w="med" len="med"/>
-          </a:ln>
-        </p:spPr>
-        <p:style>
-          <a:lnRef idx="1">
-            <a:schemeClr val="accent1"/>
-          </a:lnRef>
-          <a:fillRef idx="0">
-            <a:schemeClr val="accent1"/>
-          </a:fillRef>
-          <a:effectRef idx="0">
-            <a:schemeClr val="accent1"/>
-          </a:effectRef>
-          <a:fontRef idx="minor">
-            <a:schemeClr val="tx1"/>
-          </a:fontRef>
-        </p:style>
-      </p:cxnSp>
-      <p:cxnSp>
-        <p:nvCxnSpPr>
-          <p:cNvPr id="183" name="Straight Arrow Connector 182">
-            <a:extLst>
-              <a:ext uri="{FF2B5EF4-FFF2-40B4-BE49-F238E27FC236}">
-                <a16:creationId xmlns:a16="http://schemas.microsoft.com/office/drawing/2014/main" id="{4497665E-F769-9508-7E23-85E751C39CEB}"/>
-              </a:ext>
-            </a:extLst>
-          </p:cNvPr>
-          <p:cNvCxnSpPr>
-            <a:cxnSpLocks/>
-            <a:stCxn id="109" idx="0"/>
-            <a:endCxn id="130" idx="2"/>
-          </p:cNvCxnSpPr>
-          <p:nvPr/>
-        </p:nvCxnSpPr>
-        <p:spPr>
-          <a:xfrm flipV="1">
-            <a:off x="5464927" y="1675218"/>
-            <a:ext cx="1383332" cy="2395785"/>
-          </a:xfrm>
-          <a:prstGeom prst="straightConnector1">
-            <a:avLst/>
-          </a:prstGeom>
-          <a:ln w="12700">
-            <a:solidFill>
-              <a:schemeClr val="tx1"/>
-            </a:solidFill>
-            <a:headEnd type="triangle" w="med" len="med"/>
-            <a:tailEnd type="none" w="med" len="med"/>
-          </a:ln>
-        </p:spPr>
-        <p:style>
-          <a:lnRef idx="1">
-            <a:schemeClr val="accent1"/>
-          </a:lnRef>
-          <a:fillRef idx="0">
-            <a:schemeClr val="accent1"/>
-          </a:fillRef>
-          <a:effectRef idx="0">
-            <a:schemeClr val="accent1"/>
-          </a:effectRef>
-          <a:fontRef idx="minor">
-            <a:schemeClr val="tx1"/>
-          </a:fontRef>
-        </p:style>
-      </p:cxnSp>
-      <p:sp>
-        <p:nvSpPr>
-          <p:cNvPr id="186" name="Flowchart: Multidocument 185">
-            <a:extLst>
-              <a:ext uri="{FF2B5EF4-FFF2-40B4-BE49-F238E27FC236}">
-                <a16:creationId xmlns:a16="http://schemas.microsoft.com/office/drawing/2014/main" id="{9B92E647-4F54-454B-6F97-ED3CF21259C9}"/>
-              </a:ext>
-            </a:extLst>
-          </p:cNvPr>
-          <p:cNvSpPr/>
-          <p:nvPr/>
-        </p:nvSpPr>
-        <p:spPr>
-          <a:xfrm>
-            <a:off x="10166669" y="1389592"/>
-            <a:ext cx="914400" cy="685800"/>
-          </a:xfrm>
-          <a:prstGeom prst="flowChartMultidocument">
-            <a:avLst/>
-          </a:prstGeom>
-          <a:noFill/>
-          <a:ln w="19050" cap="flat" cmpd="sng" algn="ctr">
-            <a:solidFill>
-              <a:sysClr val="windowText" lastClr="000000"/>
-            </a:solidFill>
-            <a:prstDash val="solid"/>
-          </a:ln>
-          <a:effectLst/>
-        </p:spPr>
-        <p:txBody>
-          <a:bodyPr tIns="0" rIns="0" rtlCol="0" anchor="t" anchorCtr="0"/>
-          <a:lstStyle/>
-          <a:p>
-            <a:r>
-              <a:rPr lang="en-US" sz="1100" kern="0" dirty="0">
-                <a:solidFill>
-                  <a:prstClr val="black"/>
-                </a:solidFill>
-                <a:latin typeface="Calibri" panose="020F0502020204030204"/>
-              </a:rPr>
-              <a:t>Micro</a:t>
-            </a:r>
-          </a:p>
-          <a:p>
-            <a:r>
-              <a:rPr lang="en-US" sz="1100" kern="0" dirty="0">
-                <a:solidFill>
-                  <a:prstClr val="black"/>
-                </a:solidFill>
-                <a:latin typeface="Calibri" panose="020F0502020204030204"/>
-              </a:rPr>
-              <a:t>Services Profile</a:t>
-            </a:r>
-          </a:p>
-        </p:txBody>
-      </p:sp>
-    </p:spTree>
-    <p:extLst>
-      <p:ext uri="{BB962C8B-B14F-4D97-AF65-F5344CB8AC3E}">
-        <p14:creationId xmlns:p14="http://schemas.microsoft.com/office/powerpoint/2010/main" val="884242065"/>
-      </p:ext>
-    </p:extLst>
-  </p:cSld>
-  <p:clrMapOvr>
-    <a:masterClrMapping/>
-  </p:clrMapOvr>
-</p:sld>
-</file>
-
-<file path=ppt/slides/slide2.xml><?xml version="1.0" encoding="utf-8"?>
 <p:sld xmlns:a="http://schemas.openxmlformats.org/drawingml/2006/main" xmlns:r="http://schemas.openxmlformats.org/officeDocument/2006/relationships" xmlns:p="http://schemas.openxmlformats.org/presentationml/2006/main">
   <p:cSld>
     <p:spTree>
@@ -7237,7 +4032,7 @@
                   <a:defRPr/>
                 </a:pPr>
                 <a:r>
-                  <a:rPr kumimoji="0" lang="en-US" sz="800" b="0" i="0" u="none" strike="noStrike" kern="1200" cap="none" spc="0" normalizeH="0" baseline="0" noProof="0" dirty="0">
+                  <a:rPr kumimoji="0" lang="en-US" sz="800" b="0" i="0" u="none" strike="noStrike" kern="1200" cap="none" spc="0" normalizeH="0" baseline="0" noProof="0">
                     <a:ln>
                       <a:noFill/>
                     </a:ln>
@@ -7250,8 +4045,21 @@
                     <a:ea typeface="+mn-ea"/>
                     <a:cs typeface="+mn-cs"/>
                   </a:rPr>
-                  <a:t>checkout</a:t>
+                  <a:t>microservce</a:t>
                 </a:r>
+                <a:endParaRPr kumimoji="0" lang="en-US" sz="800" b="0" i="0" u="none" strike="noStrike" kern="1200" cap="none" spc="0" normalizeH="0" baseline="0" noProof="0" dirty="0">
+                  <a:ln>
+                    <a:noFill/>
+                  </a:ln>
+                  <a:solidFill>
+                    <a:prstClr val="black"/>
+                  </a:solidFill>
+                  <a:effectLst/>
+                  <a:uLnTx/>
+                  <a:uFillTx/>
+                  <a:ea typeface="+mn-ea"/>
+                  <a:cs typeface="+mn-cs"/>
+                </a:endParaRPr>
               </a:p>
             </p:txBody>
           </p:sp>
